--- a/lecture-presentations/sprint-4.pptx
+++ b/lecture-presentations/sprint-4.pptx
@@ -212,7 +212,7 @@
           <a:p>
             <a:fld id="{A677DEB0-5AA4-49C7-B0AD-AD047A002C4C}" type="datetimeFigureOut">
               <a:rPr lang="en-US" smtClean="0"/>
-              <a:t>1/30/2019</a:t>
+              <a:t>2/1/2019</a:t>
             </a:fld>
             <a:endParaRPr lang="en-US"/>
           </a:p>
@@ -1901,7 +1901,7 @@
           <a:p>
             <a:fld id="{1B52E0E1-344B-4E26-B5AD-CE86AB802485}" type="datetimeFigureOut">
               <a:rPr lang="en-US" smtClean="0"/>
-              <a:t>1/30/2019</a:t>
+              <a:t>2/1/2019</a:t>
             </a:fld>
             <a:endParaRPr lang="en-US"/>
           </a:p>
@@ -2099,7 +2099,7 @@
           <a:p>
             <a:fld id="{1B52E0E1-344B-4E26-B5AD-CE86AB802485}" type="datetimeFigureOut">
               <a:rPr lang="en-US" smtClean="0"/>
-              <a:t>1/30/2019</a:t>
+              <a:t>2/1/2019</a:t>
             </a:fld>
             <a:endParaRPr lang="en-US"/>
           </a:p>
@@ -2307,7 +2307,7 @@
           <a:p>
             <a:fld id="{1B52E0E1-344B-4E26-B5AD-CE86AB802485}" type="datetimeFigureOut">
               <a:rPr lang="en-US" smtClean="0"/>
-              <a:t>1/30/2019</a:t>
+              <a:t>2/1/2019</a:t>
             </a:fld>
             <a:endParaRPr lang="en-US"/>
           </a:p>
@@ -2505,7 +2505,7 @@
           <a:p>
             <a:fld id="{1B52E0E1-344B-4E26-B5AD-CE86AB802485}" type="datetimeFigureOut">
               <a:rPr lang="en-US" smtClean="0"/>
-              <a:t>1/30/2019</a:t>
+              <a:t>2/1/2019</a:t>
             </a:fld>
             <a:endParaRPr lang="en-US"/>
           </a:p>
@@ -2780,7 +2780,7 @@
           <a:p>
             <a:fld id="{1B52E0E1-344B-4E26-B5AD-CE86AB802485}" type="datetimeFigureOut">
               <a:rPr lang="en-US" smtClean="0"/>
-              <a:t>1/30/2019</a:t>
+              <a:t>2/1/2019</a:t>
             </a:fld>
             <a:endParaRPr lang="en-US"/>
           </a:p>
@@ -3045,7 +3045,7 @@
           <a:p>
             <a:fld id="{1B52E0E1-344B-4E26-B5AD-CE86AB802485}" type="datetimeFigureOut">
               <a:rPr lang="en-US" smtClean="0"/>
-              <a:t>1/30/2019</a:t>
+              <a:t>2/1/2019</a:t>
             </a:fld>
             <a:endParaRPr lang="en-US"/>
           </a:p>
@@ -3457,7 +3457,7 @@
           <a:p>
             <a:fld id="{1B52E0E1-344B-4E26-B5AD-CE86AB802485}" type="datetimeFigureOut">
               <a:rPr lang="en-US" smtClean="0"/>
-              <a:t>1/30/2019</a:t>
+              <a:t>2/1/2019</a:t>
             </a:fld>
             <a:endParaRPr lang="en-US"/>
           </a:p>
@@ -3598,7 +3598,7 @@
           <a:p>
             <a:fld id="{1B52E0E1-344B-4E26-B5AD-CE86AB802485}" type="datetimeFigureOut">
               <a:rPr lang="en-US" smtClean="0"/>
-              <a:t>1/30/2019</a:t>
+              <a:t>2/1/2019</a:t>
             </a:fld>
             <a:endParaRPr lang="en-US"/>
           </a:p>
@@ -3711,7 +3711,7 @@
           <a:p>
             <a:fld id="{1B52E0E1-344B-4E26-B5AD-CE86AB802485}" type="datetimeFigureOut">
               <a:rPr lang="en-US" smtClean="0"/>
-              <a:t>1/30/2019</a:t>
+              <a:t>2/1/2019</a:t>
             </a:fld>
             <a:endParaRPr lang="en-US"/>
           </a:p>
@@ -4022,7 +4022,7 @@
           <a:p>
             <a:fld id="{1B52E0E1-344B-4E26-B5AD-CE86AB802485}" type="datetimeFigureOut">
               <a:rPr lang="en-US" smtClean="0"/>
-              <a:t>1/30/2019</a:t>
+              <a:t>2/1/2019</a:t>
             </a:fld>
             <a:endParaRPr lang="en-US"/>
           </a:p>
@@ -4310,7 +4310,7 @@
           <a:p>
             <a:fld id="{1B52E0E1-344B-4E26-B5AD-CE86AB802485}" type="datetimeFigureOut">
               <a:rPr lang="en-US" smtClean="0"/>
-              <a:t>1/30/2019</a:t>
+              <a:t>2/1/2019</a:t>
             </a:fld>
             <a:endParaRPr lang="en-US"/>
           </a:p>
@@ -4551,7 +4551,7 @@
           <a:p>
             <a:fld id="{1B52E0E1-344B-4E26-B5AD-CE86AB802485}" type="datetimeFigureOut">
               <a:rPr lang="en-US" smtClean="0"/>
-              <a:t>1/30/2019</a:t>
+              <a:t>2/1/2019</a:t>
             </a:fld>
             <a:endParaRPr lang="en-US"/>
           </a:p>
@@ -7169,9 +7169,7 @@
           <a:lstStyle/>
           <a:p>
             <a:r>
-              <a:rPr lang="en-US" sz="3600" dirty="0">
-                <a:latin typeface="+mn-lt"/>
-              </a:rPr>
+              <a:rPr lang="en-US" sz="3600" dirty="0"/>
               <a:t>Text File Encoding Standards</a:t>
             </a:r>
           </a:p>

--- a/lecture-presentations/sprint-4.pptx
+++ b/lecture-presentations/sprint-4.pptx
@@ -5,25 +5,30 @@
     <p:sldMasterId id="2147483648" r:id="rId1"/>
   </p:sldMasterIdLst>
   <p:notesMasterIdLst>
-    <p:notesMasterId r:id="rId18"/>
+    <p:notesMasterId r:id="rId23"/>
   </p:notesMasterIdLst>
   <p:sldIdLst>
-    <p:sldId id="305" r:id="rId2"/>
+    <p:sldId id="537" r:id="rId2"/>
     <p:sldId id="535" r:id="rId3"/>
     <p:sldId id="536" r:id="rId4"/>
-    <p:sldId id="533" r:id="rId5"/>
-    <p:sldId id="530" r:id="rId6"/>
-    <p:sldId id="534" r:id="rId7"/>
-    <p:sldId id="462" r:id="rId8"/>
-    <p:sldId id="469" r:id="rId9"/>
-    <p:sldId id="296" r:id="rId10"/>
-    <p:sldId id="477" r:id="rId11"/>
-    <p:sldId id="460" r:id="rId12"/>
-    <p:sldId id="461" r:id="rId13"/>
-    <p:sldId id="529" r:id="rId14"/>
-    <p:sldId id="524" r:id="rId15"/>
-    <p:sldId id="304" r:id="rId16"/>
-    <p:sldId id="271" r:id="rId17"/>
+    <p:sldId id="539" r:id="rId5"/>
+    <p:sldId id="533" r:id="rId6"/>
+    <p:sldId id="530" r:id="rId7"/>
+    <p:sldId id="534" r:id="rId8"/>
+    <p:sldId id="462" r:id="rId9"/>
+    <p:sldId id="469" r:id="rId10"/>
+    <p:sldId id="296" r:id="rId11"/>
+    <p:sldId id="477" r:id="rId12"/>
+    <p:sldId id="460" r:id="rId13"/>
+    <p:sldId id="461" r:id="rId14"/>
+    <p:sldId id="529" r:id="rId15"/>
+    <p:sldId id="524" r:id="rId16"/>
+    <p:sldId id="520" r:id="rId17"/>
+    <p:sldId id="541" r:id="rId18"/>
+    <p:sldId id="543" r:id="rId19"/>
+    <p:sldId id="304" r:id="rId20"/>
+    <p:sldId id="544" r:id="rId21"/>
+    <p:sldId id="271" r:id="rId22"/>
   </p:sldIdLst>
   <p:sldSz cx="12192000" cy="6858000"/>
   <p:notesSz cx="6858000" cy="9144000"/>
@@ -212,7 +217,7 @@
           <a:p>
             <a:fld id="{A677DEB0-5AA4-49C7-B0AD-AD047A002C4C}" type="datetimeFigureOut">
               <a:rPr lang="en-US" smtClean="0"/>
-              <a:t>2/1/2019</a:t>
+              <a:t>2/6/2019</a:t>
             </a:fld>
             <a:endParaRPr lang="en-US"/>
           </a:p>
@@ -553,7 +558,7 @@
     </p:spTree>
     <p:extLst>
       <p:ext uri="{BB962C8B-B14F-4D97-AF65-F5344CB8AC3E}">
-        <p14:creationId xmlns:p14="http://schemas.microsoft.com/office/powerpoint/2010/main" val="1283605366"/>
+        <p14:creationId xmlns:p14="http://schemas.microsoft.com/office/powerpoint/2010/main" val="3645777605"/>
       </p:ext>
     </p:extLst>
   </p:cSld>
@@ -607,7 +612,7 @@
           <a:bodyPr/>
           <a:lstStyle/>
           <a:p>
-            <a:endParaRPr lang="en-US" sz="1000" dirty="0"/>
+            <a:endParaRPr lang="en-US" dirty="0"/>
           </a:p>
         </p:txBody>
       </p:sp>
@@ -626,18 +631,18 @@
           <a:bodyPr/>
           <a:lstStyle/>
           <a:p>
-            <a:fld id="{5394DE12-7B9B-46AA-AC19-C30A49928B9B}" type="slidenum">
+            <a:fld id="{23B99BB9-C7F6-43B3-A122-46088ABB36FB}" type="slidenum">
               <a:rPr lang="en-US" smtClean="0"/>
               <a:t>11</a:t>
             </a:fld>
-            <a:endParaRPr lang="en-US" dirty="0"/>
+            <a:endParaRPr lang="en-US"/>
           </a:p>
         </p:txBody>
       </p:sp>
     </p:spTree>
     <p:extLst>
       <p:ext uri="{BB962C8B-B14F-4D97-AF65-F5344CB8AC3E}">
-        <p14:creationId xmlns:p14="http://schemas.microsoft.com/office/powerpoint/2010/main" val="833833181"/>
+        <p14:creationId xmlns:p14="http://schemas.microsoft.com/office/powerpoint/2010/main" val="915609386"/>
       </p:ext>
     </p:extLst>
   </p:cSld>
@@ -691,10 +696,7 @@
           <a:bodyPr/>
           <a:lstStyle/>
           <a:p>
-            <a:r>
-              <a:rPr lang="en-US" sz="1000" dirty="0"/>
-              <a:t>JSON is an open-standard format that uses human-readable text to transmit data objects consisting of attribute–value pairs. It is a very common data format used for asynchronous browser/server communication, including as a replacement for XML in some web service style systems.</a:t>
-            </a:r>
+            <a:endParaRPr lang="en-US" sz="1000" dirty="0"/>
           </a:p>
         </p:txBody>
       </p:sp>
@@ -724,7 +726,7 @@
     </p:spTree>
     <p:extLst>
       <p:ext uri="{BB962C8B-B14F-4D97-AF65-F5344CB8AC3E}">
-        <p14:creationId xmlns:p14="http://schemas.microsoft.com/office/powerpoint/2010/main" val="3636115930"/>
+        <p14:creationId xmlns:p14="http://schemas.microsoft.com/office/powerpoint/2010/main" val="833833181"/>
       </p:ext>
     </p:extLst>
   </p:cSld>
@@ -778,7 +780,10 @@
           <a:bodyPr/>
           <a:lstStyle/>
           <a:p>
-            <a:endParaRPr lang="en-US" sz="1000" dirty="0"/>
+            <a:r>
+              <a:rPr lang="en-US" sz="1000" dirty="0"/>
+              <a:t>JSON is an open-standard format that uses human-readable text to transmit data objects consisting of attribute–value pairs. It is a very common data format used for asynchronous browser/server communication, including as a replacement for XML in some web service style systems.</a:t>
+            </a:r>
           </a:p>
         </p:txBody>
       </p:sp>
@@ -808,7 +813,7 @@
     </p:spTree>
     <p:extLst>
       <p:ext uri="{BB962C8B-B14F-4D97-AF65-F5344CB8AC3E}">
-        <p14:creationId xmlns:p14="http://schemas.microsoft.com/office/powerpoint/2010/main" val="1032629507"/>
+        <p14:creationId xmlns:p14="http://schemas.microsoft.com/office/powerpoint/2010/main" val="3636115930"/>
       </p:ext>
     </p:extLst>
   </p:cSld>
@@ -892,7 +897,7 @@
     </p:spTree>
     <p:extLst>
       <p:ext uri="{BB962C8B-B14F-4D97-AF65-F5344CB8AC3E}">
-        <p14:creationId xmlns:p14="http://schemas.microsoft.com/office/powerpoint/2010/main" val="3850662137"/>
+        <p14:creationId xmlns:p14="http://schemas.microsoft.com/office/powerpoint/2010/main" val="1032629507"/>
       </p:ext>
     </p:extLst>
   </p:cSld>
@@ -976,7 +981,7 @@
     </p:spTree>
     <p:extLst>
       <p:ext uri="{BB962C8B-B14F-4D97-AF65-F5344CB8AC3E}">
-        <p14:creationId xmlns:p14="http://schemas.microsoft.com/office/powerpoint/2010/main" val="926545711"/>
+        <p14:creationId xmlns:p14="http://schemas.microsoft.com/office/powerpoint/2010/main" val="3850662137"/>
       </p:ext>
     </p:extLst>
   </p:cSld>
@@ -1030,7 +1035,7 @@
           <a:bodyPr/>
           <a:lstStyle/>
           <a:p>
-            <a:endParaRPr lang="en-US" dirty="0"/>
+            <a:endParaRPr lang="en-US" sz="1000" dirty="0"/>
           </a:p>
         </p:txBody>
       </p:sp>
@@ -1060,7 +1065,343 @@
     </p:spTree>
     <p:extLst>
       <p:ext uri="{BB962C8B-B14F-4D97-AF65-F5344CB8AC3E}">
-        <p14:creationId xmlns:p14="http://schemas.microsoft.com/office/powerpoint/2010/main" val="3355459141"/>
+        <p14:creationId xmlns:p14="http://schemas.microsoft.com/office/powerpoint/2010/main" val="3365061451"/>
+      </p:ext>
+    </p:extLst>
+  </p:cSld>
+  <p:clrMapOvr>
+    <a:masterClrMapping/>
+  </p:clrMapOvr>
+</p:notes>
+</file>
+
+<file path=ppt/notesSlides/notesSlide16.xml><?xml version="1.0" encoding="utf-8"?>
+<p:notes xmlns:a="http://schemas.openxmlformats.org/drawingml/2006/main" xmlns:r="http://schemas.openxmlformats.org/officeDocument/2006/relationships" xmlns:p="http://schemas.openxmlformats.org/presentationml/2006/main">
+  <p:cSld>
+    <p:spTree>
+      <p:nvGrpSpPr>
+        <p:cNvPr id="1" name=""/>
+        <p:cNvGrpSpPr/>
+        <p:nvPr/>
+      </p:nvGrpSpPr>
+      <p:grpSpPr>
+        <a:xfrm>
+          <a:off x="0" y="0"/>
+          <a:ext cx="0" cy="0"/>
+          <a:chOff x="0" y="0"/>
+          <a:chExt cx="0" cy="0"/>
+        </a:xfrm>
+      </p:grpSpPr>
+      <p:sp>
+        <p:nvSpPr>
+          <p:cNvPr id="2" name="Slide Image Placeholder 1"/>
+          <p:cNvSpPr>
+            <a:spLocks noGrp="1" noRot="1" noChangeAspect="1"/>
+          </p:cNvSpPr>
+          <p:nvPr>
+            <p:ph type="sldImg"/>
+          </p:nvPr>
+        </p:nvSpPr>
+        <p:spPr/>
+      </p:sp>
+      <p:sp>
+        <p:nvSpPr>
+          <p:cNvPr id="3" name="Notes Placeholder 2"/>
+          <p:cNvSpPr>
+            <a:spLocks noGrp="1"/>
+          </p:cNvSpPr>
+          <p:nvPr>
+            <p:ph type="body" idx="1"/>
+          </p:nvPr>
+        </p:nvSpPr>
+        <p:spPr/>
+        <p:txBody>
+          <a:bodyPr/>
+          <a:lstStyle/>
+          <a:p>
+            <a:endParaRPr lang="en-US" sz="1000" dirty="0"/>
+          </a:p>
+        </p:txBody>
+      </p:sp>
+      <p:sp>
+        <p:nvSpPr>
+          <p:cNvPr id="4" name="Slide Number Placeholder 3"/>
+          <p:cNvSpPr>
+            <a:spLocks noGrp="1"/>
+          </p:cNvSpPr>
+          <p:nvPr>
+            <p:ph type="sldNum" sz="quarter" idx="10"/>
+          </p:nvPr>
+        </p:nvSpPr>
+        <p:spPr/>
+        <p:txBody>
+          <a:bodyPr/>
+          <a:lstStyle/>
+          <a:p>
+            <a:fld id="{5394DE12-7B9B-46AA-AC19-C30A49928B9B}" type="slidenum">
+              <a:rPr lang="en-US" smtClean="0"/>
+              <a:t>17</a:t>
+            </a:fld>
+            <a:endParaRPr lang="en-US" dirty="0"/>
+          </a:p>
+        </p:txBody>
+      </p:sp>
+    </p:spTree>
+    <p:extLst>
+      <p:ext uri="{BB962C8B-B14F-4D97-AF65-F5344CB8AC3E}">
+        <p14:creationId xmlns:p14="http://schemas.microsoft.com/office/powerpoint/2010/main" val="812817014"/>
+      </p:ext>
+    </p:extLst>
+  </p:cSld>
+  <p:clrMapOvr>
+    <a:masterClrMapping/>
+  </p:clrMapOvr>
+</p:notes>
+</file>
+
+<file path=ppt/notesSlides/notesSlide17.xml><?xml version="1.0" encoding="utf-8"?>
+<p:notes xmlns:a="http://schemas.openxmlformats.org/drawingml/2006/main" xmlns:r="http://schemas.openxmlformats.org/officeDocument/2006/relationships" xmlns:p="http://schemas.openxmlformats.org/presentationml/2006/main">
+  <p:cSld>
+    <p:spTree>
+      <p:nvGrpSpPr>
+        <p:cNvPr id="1" name=""/>
+        <p:cNvGrpSpPr/>
+        <p:nvPr/>
+      </p:nvGrpSpPr>
+      <p:grpSpPr>
+        <a:xfrm>
+          <a:off x="0" y="0"/>
+          <a:ext cx="0" cy="0"/>
+          <a:chOff x="0" y="0"/>
+          <a:chExt cx="0" cy="0"/>
+        </a:xfrm>
+      </p:grpSpPr>
+      <p:sp>
+        <p:nvSpPr>
+          <p:cNvPr id="2" name="Slide Image Placeholder 1"/>
+          <p:cNvSpPr>
+            <a:spLocks noGrp="1" noRot="1" noChangeAspect="1"/>
+          </p:cNvSpPr>
+          <p:nvPr>
+            <p:ph type="sldImg"/>
+          </p:nvPr>
+        </p:nvSpPr>
+        <p:spPr/>
+      </p:sp>
+      <p:sp>
+        <p:nvSpPr>
+          <p:cNvPr id="3" name="Notes Placeholder 2"/>
+          <p:cNvSpPr>
+            <a:spLocks noGrp="1"/>
+          </p:cNvSpPr>
+          <p:nvPr>
+            <p:ph type="body" idx="1"/>
+          </p:nvPr>
+        </p:nvSpPr>
+        <p:spPr/>
+        <p:txBody>
+          <a:bodyPr/>
+          <a:lstStyle/>
+          <a:p>
+            <a:endParaRPr lang="en-US" sz="1000" dirty="0"/>
+          </a:p>
+        </p:txBody>
+      </p:sp>
+      <p:sp>
+        <p:nvSpPr>
+          <p:cNvPr id="4" name="Slide Number Placeholder 3"/>
+          <p:cNvSpPr>
+            <a:spLocks noGrp="1"/>
+          </p:cNvSpPr>
+          <p:nvPr>
+            <p:ph type="sldNum" sz="quarter" idx="10"/>
+          </p:nvPr>
+        </p:nvSpPr>
+        <p:spPr/>
+        <p:txBody>
+          <a:bodyPr/>
+          <a:lstStyle/>
+          <a:p>
+            <a:fld id="{5394DE12-7B9B-46AA-AC19-C30A49928B9B}" type="slidenum">
+              <a:rPr lang="en-US" smtClean="0"/>
+              <a:t>18</a:t>
+            </a:fld>
+            <a:endParaRPr lang="en-US" dirty="0"/>
+          </a:p>
+        </p:txBody>
+      </p:sp>
+    </p:spTree>
+    <p:extLst>
+      <p:ext uri="{BB962C8B-B14F-4D97-AF65-F5344CB8AC3E}">
+        <p14:creationId xmlns:p14="http://schemas.microsoft.com/office/powerpoint/2010/main" val="3500212535"/>
+      </p:ext>
+    </p:extLst>
+  </p:cSld>
+  <p:clrMapOvr>
+    <a:masterClrMapping/>
+  </p:clrMapOvr>
+</p:notes>
+</file>
+
+<file path=ppt/notesSlides/notesSlide18.xml><?xml version="1.0" encoding="utf-8"?>
+<p:notes xmlns:a="http://schemas.openxmlformats.org/drawingml/2006/main" xmlns:r="http://schemas.openxmlformats.org/officeDocument/2006/relationships" xmlns:p="http://schemas.openxmlformats.org/presentationml/2006/main">
+  <p:cSld>
+    <p:spTree>
+      <p:nvGrpSpPr>
+        <p:cNvPr id="1" name=""/>
+        <p:cNvGrpSpPr/>
+        <p:nvPr/>
+      </p:nvGrpSpPr>
+      <p:grpSpPr>
+        <a:xfrm>
+          <a:off x="0" y="0"/>
+          <a:ext cx="0" cy="0"/>
+          <a:chOff x="0" y="0"/>
+          <a:chExt cx="0" cy="0"/>
+        </a:xfrm>
+      </p:grpSpPr>
+      <p:sp>
+        <p:nvSpPr>
+          <p:cNvPr id="2" name="Slide Image Placeholder 1"/>
+          <p:cNvSpPr>
+            <a:spLocks noGrp="1" noRot="1" noChangeAspect="1"/>
+          </p:cNvSpPr>
+          <p:nvPr>
+            <p:ph type="sldImg"/>
+          </p:nvPr>
+        </p:nvSpPr>
+        <p:spPr/>
+      </p:sp>
+      <p:sp>
+        <p:nvSpPr>
+          <p:cNvPr id="3" name="Notes Placeholder 2"/>
+          <p:cNvSpPr>
+            <a:spLocks noGrp="1"/>
+          </p:cNvSpPr>
+          <p:nvPr>
+            <p:ph type="body" idx="1"/>
+          </p:nvPr>
+        </p:nvSpPr>
+        <p:spPr/>
+        <p:txBody>
+          <a:bodyPr/>
+          <a:lstStyle/>
+          <a:p>
+            <a:endParaRPr lang="en-US" sz="1000" dirty="0"/>
+          </a:p>
+        </p:txBody>
+      </p:sp>
+      <p:sp>
+        <p:nvSpPr>
+          <p:cNvPr id="4" name="Slide Number Placeholder 3"/>
+          <p:cNvSpPr>
+            <a:spLocks noGrp="1"/>
+          </p:cNvSpPr>
+          <p:nvPr>
+            <p:ph type="sldNum" sz="quarter" idx="10"/>
+          </p:nvPr>
+        </p:nvSpPr>
+        <p:spPr/>
+        <p:txBody>
+          <a:bodyPr/>
+          <a:lstStyle/>
+          <a:p>
+            <a:fld id="{5394DE12-7B9B-46AA-AC19-C30A49928B9B}" type="slidenum">
+              <a:rPr lang="en-US" smtClean="0"/>
+              <a:t>19</a:t>
+            </a:fld>
+            <a:endParaRPr lang="en-US" dirty="0"/>
+          </a:p>
+        </p:txBody>
+      </p:sp>
+    </p:spTree>
+    <p:extLst>
+      <p:ext uri="{BB962C8B-B14F-4D97-AF65-F5344CB8AC3E}">
+        <p14:creationId xmlns:p14="http://schemas.microsoft.com/office/powerpoint/2010/main" val="926545711"/>
+      </p:ext>
+    </p:extLst>
+  </p:cSld>
+  <p:clrMapOvr>
+    <a:masterClrMapping/>
+  </p:clrMapOvr>
+</p:notes>
+</file>
+
+<file path=ppt/notesSlides/notesSlide19.xml><?xml version="1.0" encoding="utf-8"?>
+<p:notes xmlns:a="http://schemas.openxmlformats.org/drawingml/2006/main" xmlns:r="http://schemas.openxmlformats.org/officeDocument/2006/relationships" xmlns:p="http://schemas.openxmlformats.org/presentationml/2006/main">
+  <p:cSld>
+    <p:spTree>
+      <p:nvGrpSpPr>
+        <p:cNvPr id="1" name=""/>
+        <p:cNvGrpSpPr/>
+        <p:nvPr/>
+      </p:nvGrpSpPr>
+      <p:grpSpPr>
+        <a:xfrm>
+          <a:off x="0" y="0"/>
+          <a:ext cx="0" cy="0"/>
+          <a:chOff x="0" y="0"/>
+          <a:chExt cx="0" cy="0"/>
+        </a:xfrm>
+      </p:grpSpPr>
+      <p:sp>
+        <p:nvSpPr>
+          <p:cNvPr id="2" name="Slide Image Placeholder 1"/>
+          <p:cNvSpPr>
+            <a:spLocks noGrp="1" noRot="1" noChangeAspect="1"/>
+          </p:cNvSpPr>
+          <p:nvPr>
+            <p:ph type="sldImg"/>
+          </p:nvPr>
+        </p:nvSpPr>
+        <p:spPr/>
+      </p:sp>
+      <p:sp>
+        <p:nvSpPr>
+          <p:cNvPr id="3" name="Notes Placeholder 2"/>
+          <p:cNvSpPr>
+            <a:spLocks noGrp="1"/>
+          </p:cNvSpPr>
+          <p:nvPr>
+            <p:ph type="body" idx="1"/>
+          </p:nvPr>
+        </p:nvSpPr>
+        <p:spPr/>
+        <p:txBody>
+          <a:bodyPr/>
+          <a:lstStyle/>
+          <a:p>
+            <a:endParaRPr lang="en-US" sz="1000" dirty="0"/>
+          </a:p>
+        </p:txBody>
+      </p:sp>
+      <p:sp>
+        <p:nvSpPr>
+          <p:cNvPr id="4" name="Slide Number Placeholder 3"/>
+          <p:cNvSpPr>
+            <a:spLocks noGrp="1"/>
+          </p:cNvSpPr>
+          <p:nvPr>
+            <p:ph type="sldNum" sz="quarter" idx="10"/>
+          </p:nvPr>
+        </p:nvSpPr>
+        <p:spPr/>
+        <p:txBody>
+          <a:bodyPr/>
+          <a:lstStyle/>
+          <a:p>
+            <a:fld id="{5394DE12-7B9B-46AA-AC19-C30A49928B9B}" type="slidenum">
+              <a:rPr lang="en-US" smtClean="0"/>
+              <a:t>20</a:t>
+            </a:fld>
+            <a:endParaRPr lang="en-US" dirty="0"/>
+          </a:p>
+        </p:txBody>
+      </p:sp>
+    </p:spTree>
+    <p:extLst>
+      <p:ext uri="{BB962C8B-B14F-4D97-AF65-F5344CB8AC3E}">
+        <p14:creationId xmlns:p14="http://schemas.microsoft.com/office/powerpoint/2010/main" val="3436319571"/>
       </p:ext>
     </p:extLst>
   </p:cSld>
@@ -1148,6 +1489,90 @@
     <p:extLst>
       <p:ext uri="{BB962C8B-B14F-4D97-AF65-F5344CB8AC3E}">
         <p14:creationId xmlns:p14="http://schemas.microsoft.com/office/powerpoint/2010/main" val="2210422731"/>
+      </p:ext>
+    </p:extLst>
+  </p:cSld>
+  <p:clrMapOvr>
+    <a:masterClrMapping/>
+  </p:clrMapOvr>
+</p:notes>
+</file>
+
+<file path=ppt/notesSlides/notesSlide20.xml><?xml version="1.0" encoding="utf-8"?>
+<p:notes xmlns:a="http://schemas.openxmlformats.org/drawingml/2006/main" xmlns:r="http://schemas.openxmlformats.org/officeDocument/2006/relationships" xmlns:p="http://schemas.openxmlformats.org/presentationml/2006/main">
+  <p:cSld>
+    <p:spTree>
+      <p:nvGrpSpPr>
+        <p:cNvPr id="1" name=""/>
+        <p:cNvGrpSpPr/>
+        <p:nvPr/>
+      </p:nvGrpSpPr>
+      <p:grpSpPr>
+        <a:xfrm>
+          <a:off x="0" y="0"/>
+          <a:ext cx="0" cy="0"/>
+          <a:chOff x="0" y="0"/>
+          <a:chExt cx="0" cy="0"/>
+        </a:xfrm>
+      </p:grpSpPr>
+      <p:sp>
+        <p:nvSpPr>
+          <p:cNvPr id="2" name="Slide Image Placeholder 1"/>
+          <p:cNvSpPr>
+            <a:spLocks noGrp="1" noRot="1" noChangeAspect="1"/>
+          </p:cNvSpPr>
+          <p:nvPr>
+            <p:ph type="sldImg"/>
+          </p:nvPr>
+        </p:nvSpPr>
+        <p:spPr/>
+      </p:sp>
+      <p:sp>
+        <p:nvSpPr>
+          <p:cNvPr id="3" name="Notes Placeholder 2"/>
+          <p:cNvSpPr>
+            <a:spLocks noGrp="1"/>
+          </p:cNvSpPr>
+          <p:nvPr>
+            <p:ph type="body" idx="1"/>
+          </p:nvPr>
+        </p:nvSpPr>
+        <p:spPr/>
+        <p:txBody>
+          <a:bodyPr/>
+          <a:lstStyle/>
+          <a:p>
+            <a:endParaRPr lang="en-US" dirty="0"/>
+          </a:p>
+        </p:txBody>
+      </p:sp>
+      <p:sp>
+        <p:nvSpPr>
+          <p:cNvPr id="4" name="Slide Number Placeholder 3"/>
+          <p:cNvSpPr>
+            <a:spLocks noGrp="1"/>
+          </p:cNvSpPr>
+          <p:nvPr>
+            <p:ph type="sldNum" sz="quarter" idx="10"/>
+          </p:nvPr>
+        </p:nvSpPr>
+        <p:spPr/>
+        <p:txBody>
+          <a:bodyPr/>
+          <a:lstStyle/>
+          <a:p>
+            <a:fld id="{5394DE12-7B9B-46AA-AC19-C30A49928B9B}" type="slidenum">
+              <a:rPr lang="en-US" smtClean="0"/>
+              <a:t>21</a:t>
+            </a:fld>
+            <a:endParaRPr lang="en-US" dirty="0"/>
+          </a:p>
+        </p:txBody>
+      </p:sp>
+    </p:spTree>
+    <p:extLst>
+      <p:ext uri="{BB962C8B-B14F-4D97-AF65-F5344CB8AC3E}">
+        <p14:creationId xmlns:p14="http://schemas.microsoft.com/office/powerpoint/2010/main" val="3355459141"/>
       </p:ext>
     </p:extLst>
   </p:cSld>
@@ -1285,10 +1710,7 @@
           <a:bodyPr/>
           <a:lstStyle/>
           <a:p>
-            <a:r>
-              <a:rPr lang="en-US" sz="1000" dirty="0"/>
-              <a:t>Some people would say that binary files include all files, and that text files are just binary files that are being interpreted in a specific way. </a:t>
-            </a:r>
+            <a:endParaRPr lang="en-US" sz="1000" dirty="0"/>
           </a:p>
         </p:txBody>
       </p:sp>
@@ -1318,7 +1740,7 @@
     </p:spTree>
     <p:extLst>
       <p:ext uri="{BB962C8B-B14F-4D97-AF65-F5344CB8AC3E}">
-        <p14:creationId xmlns:p14="http://schemas.microsoft.com/office/powerpoint/2010/main" val="1132323657"/>
+        <p14:creationId xmlns:p14="http://schemas.microsoft.com/office/powerpoint/2010/main" val="4207730185"/>
       </p:ext>
     </p:extLst>
   </p:cSld>
@@ -1396,7 +1818,7 @@
           <a:p>
             <a:fld id="{5394DE12-7B9B-46AA-AC19-C30A49928B9B}" type="slidenum">
               <a:rPr lang="en-US" smtClean="0"/>
-              <a:t>6</a:t>
+              <a:t>5</a:t>
             </a:fld>
             <a:endParaRPr lang="en-US" dirty="0"/>
           </a:p>
@@ -1405,7 +1827,7 @@
     </p:spTree>
     <p:extLst>
       <p:ext uri="{BB962C8B-B14F-4D97-AF65-F5344CB8AC3E}">
-        <p14:creationId xmlns:p14="http://schemas.microsoft.com/office/powerpoint/2010/main" val="135402134"/>
+        <p14:creationId xmlns:p14="http://schemas.microsoft.com/office/powerpoint/2010/main" val="1132323657"/>
       </p:ext>
     </p:extLst>
   </p:cSld>
@@ -1492,7 +1914,7 @@
     </p:spTree>
     <p:extLst>
       <p:ext uri="{BB962C8B-B14F-4D97-AF65-F5344CB8AC3E}">
-        <p14:creationId xmlns:p14="http://schemas.microsoft.com/office/powerpoint/2010/main" val="2729438391"/>
+        <p14:creationId xmlns:p14="http://schemas.microsoft.com/office/powerpoint/2010/main" val="135402134"/>
       </p:ext>
     </p:extLst>
   </p:cSld>
@@ -1546,7 +1968,10 @@
           <a:bodyPr/>
           <a:lstStyle/>
           <a:p>
-            <a:endParaRPr lang="en-US" dirty="0"/>
+            <a:r>
+              <a:rPr lang="en-US" sz="1000" dirty="0"/>
+              <a:t>Some people would say that binary files include all files, and that text files are just binary files that are being interpreted in a specific way. </a:t>
+            </a:r>
           </a:p>
         </p:txBody>
       </p:sp>
@@ -1565,18 +1990,18 @@
           <a:bodyPr/>
           <a:lstStyle/>
           <a:p>
-            <a:fld id="{23B99BB9-C7F6-43B3-A122-46088ABB36FB}" type="slidenum">
+            <a:fld id="{5394DE12-7B9B-46AA-AC19-C30A49928B9B}" type="slidenum">
               <a:rPr lang="en-US" smtClean="0"/>
               <a:t>8</a:t>
             </a:fld>
-            <a:endParaRPr lang="en-US"/>
+            <a:endParaRPr lang="en-US" dirty="0"/>
           </a:p>
         </p:txBody>
       </p:sp>
     </p:spTree>
     <p:extLst>
       <p:ext uri="{BB962C8B-B14F-4D97-AF65-F5344CB8AC3E}">
-        <p14:creationId xmlns:p14="http://schemas.microsoft.com/office/powerpoint/2010/main" val="2638279121"/>
+        <p14:creationId xmlns:p14="http://schemas.microsoft.com/office/powerpoint/2010/main" val="2729438391"/>
       </p:ext>
     </p:extLst>
   </p:cSld>
@@ -1660,7 +2085,7 @@
     </p:spTree>
     <p:extLst>
       <p:ext uri="{BB962C8B-B14F-4D97-AF65-F5344CB8AC3E}">
-        <p14:creationId xmlns:p14="http://schemas.microsoft.com/office/powerpoint/2010/main" val="2229825541"/>
+        <p14:creationId xmlns:p14="http://schemas.microsoft.com/office/powerpoint/2010/main" val="2638279121"/>
       </p:ext>
     </p:extLst>
   </p:cSld>
@@ -1744,7 +2169,7 @@
     </p:spTree>
     <p:extLst>
       <p:ext uri="{BB962C8B-B14F-4D97-AF65-F5344CB8AC3E}">
-        <p14:creationId xmlns:p14="http://schemas.microsoft.com/office/powerpoint/2010/main" val="915609386"/>
+        <p14:creationId xmlns:p14="http://schemas.microsoft.com/office/powerpoint/2010/main" val="2229825541"/>
       </p:ext>
     </p:extLst>
   </p:cSld>
@@ -1901,7 +2326,7 @@
           <a:p>
             <a:fld id="{1B52E0E1-344B-4E26-B5AD-CE86AB802485}" type="datetimeFigureOut">
               <a:rPr lang="en-US" smtClean="0"/>
-              <a:t>2/1/2019</a:t>
+              <a:t>2/6/2019</a:t>
             </a:fld>
             <a:endParaRPr lang="en-US"/>
           </a:p>
@@ -2099,7 +2524,7 @@
           <a:p>
             <a:fld id="{1B52E0E1-344B-4E26-B5AD-CE86AB802485}" type="datetimeFigureOut">
               <a:rPr lang="en-US" smtClean="0"/>
-              <a:t>2/1/2019</a:t>
+              <a:t>2/6/2019</a:t>
             </a:fld>
             <a:endParaRPr lang="en-US"/>
           </a:p>
@@ -2307,7 +2732,7 @@
           <a:p>
             <a:fld id="{1B52E0E1-344B-4E26-B5AD-CE86AB802485}" type="datetimeFigureOut">
               <a:rPr lang="en-US" smtClean="0"/>
-              <a:t>2/1/2019</a:t>
+              <a:t>2/6/2019</a:t>
             </a:fld>
             <a:endParaRPr lang="en-US"/>
           </a:p>
@@ -2505,7 +2930,7 @@
           <a:p>
             <a:fld id="{1B52E0E1-344B-4E26-B5AD-CE86AB802485}" type="datetimeFigureOut">
               <a:rPr lang="en-US" smtClean="0"/>
-              <a:t>2/1/2019</a:t>
+              <a:t>2/6/2019</a:t>
             </a:fld>
             <a:endParaRPr lang="en-US"/>
           </a:p>
@@ -2780,7 +3205,7 @@
           <a:p>
             <a:fld id="{1B52E0E1-344B-4E26-B5AD-CE86AB802485}" type="datetimeFigureOut">
               <a:rPr lang="en-US" smtClean="0"/>
-              <a:t>2/1/2019</a:t>
+              <a:t>2/6/2019</a:t>
             </a:fld>
             <a:endParaRPr lang="en-US"/>
           </a:p>
@@ -3045,7 +3470,7 @@
           <a:p>
             <a:fld id="{1B52E0E1-344B-4E26-B5AD-CE86AB802485}" type="datetimeFigureOut">
               <a:rPr lang="en-US" smtClean="0"/>
-              <a:t>2/1/2019</a:t>
+              <a:t>2/6/2019</a:t>
             </a:fld>
             <a:endParaRPr lang="en-US"/>
           </a:p>
@@ -3457,7 +3882,7 @@
           <a:p>
             <a:fld id="{1B52E0E1-344B-4E26-B5AD-CE86AB802485}" type="datetimeFigureOut">
               <a:rPr lang="en-US" smtClean="0"/>
-              <a:t>2/1/2019</a:t>
+              <a:t>2/6/2019</a:t>
             </a:fld>
             <a:endParaRPr lang="en-US"/>
           </a:p>
@@ -3598,7 +4023,7 @@
           <a:p>
             <a:fld id="{1B52E0E1-344B-4E26-B5AD-CE86AB802485}" type="datetimeFigureOut">
               <a:rPr lang="en-US" smtClean="0"/>
-              <a:t>2/1/2019</a:t>
+              <a:t>2/6/2019</a:t>
             </a:fld>
             <a:endParaRPr lang="en-US"/>
           </a:p>
@@ -3711,7 +4136,7 @@
           <a:p>
             <a:fld id="{1B52E0E1-344B-4E26-B5AD-CE86AB802485}" type="datetimeFigureOut">
               <a:rPr lang="en-US" smtClean="0"/>
-              <a:t>2/1/2019</a:t>
+              <a:t>2/6/2019</a:t>
             </a:fld>
             <a:endParaRPr lang="en-US"/>
           </a:p>
@@ -4022,7 +4447,7 @@
           <a:p>
             <a:fld id="{1B52E0E1-344B-4E26-B5AD-CE86AB802485}" type="datetimeFigureOut">
               <a:rPr lang="en-US" smtClean="0"/>
-              <a:t>2/1/2019</a:t>
+              <a:t>2/6/2019</a:t>
             </a:fld>
             <a:endParaRPr lang="en-US"/>
           </a:p>
@@ -4310,7 +4735,7 @@
           <a:p>
             <a:fld id="{1B52E0E1-344B-4E26-B5AD-CE86AB802485}" type="datetimeFigureOut">
               <a:rPr lang="en-US" smtClean="0"/>
-              <a:t>2/1/2019</a:t>
+              <a:t>2/6/2019</a:t>
             </a:fld>
             <a:endParaRPr lang="en-US"/>
           </a:p>
@@ -4551,7 +4976,7 @@
           <a:p>
             <a:fld id="{1B52E0E1-344B-4E26-B5AD-CE86AB802485}" type="datetimeFigureOut">
               <a:rPr lang="en-US" smtClean="0"/>
-              <a:t>2/1/2019</a:t>
+              <a:t>2/6/2019</a:t>
             </a:fld>
             <a:endParaRPr lang="en-US"/>
           </a:p>
@@ -5050,7 +5475,7 @@
             </a:pPr>
             <a:r>
               <a:rPr lang="en-US" sz="2000" dirty="0"/>
-              <a:t>Sprint 4 Discussion, Lecture, and Lab session(s) Agenda:</a:t>
+              <a:t>Agenda for Sprint 4 Discussion, Lecture, and Lab:</a:t>
             </a:r>
           </a:p>
           <a:p>
@@ -5060,7 +5485,7 @@
             </a:pPr>
             <a:r>
               <a:rPr lang="en-US" sz="2000" dirty="0"/>
-              <a:t>[[Sprint 3 Retrospective]]</a:t>
+              <a:t>Discuss Quiz 3 Review</a:t>
             </a:r>
           </a:p>
           <a:p>
@@ -5070,7 +5495,7 @@
             </a:pPr>
             <a:r>
               <a:rPr lang="en-US" sz="2000" dirty="0"/>
-              <a:t>[[Quiz 3 Review]]</a:t>
+              <a:t>Review Learning Objectives</a:t>
             </a:r>
           </a:p>
           <a:p>
@@ -5080,7 +5505,7 @@
             </a:pPr>
             <a:r>
               <a:rPr lang="en-US" sz="2000" dirty="0"/>
-              <a:t>Learning Objectives</a:t>
+              <a:t>Complete Sprint 4 Planning</a:t>
             </a:r>
           </a:p>
           <a:p>
@@ -5090,7 +5515,7 @@
             </a:pPr>
             <a:r>
               <a:rPr lang="en-US" sz="2000" dirty="0"/>
-              <a:t>Sprint Planning</a:t>
+              <a:t>Review Files &amp; JSON</a:t>
             </a:r>
           </a:p>
           <a:p>
@@ -5100,17 +5525,7 @@
             </a:pPr>
             <a:r>
               <a:rPr lang="en-US" sz="2000" dirty="0"/>
-              <a:t>Files &amp; JSON</a:t>
-            </a:r>
-          </a:p>
-          <a:p>
-            <a:pPr marL="457200" indent="-457200">
-              <a:buFont typeface="+mj-lt"/>
-              <a:buAutoNum type="arabicPeriod"/>
-            </a:pPr>
-            <a:r>
-              <a:rPr lang="en-US" sz="2000" dirty="0"/>
-              <a:t>Lab: MosaicLite</a:t>
+              <a:t>Lab</a:t>
             </a:r>
           </a:p>
           <a:p>
@@ -5170,7 +5585,7 @@
     </p:spTree>
     <p:extLst>
       <p:ext uri="{BB962C8B-B14F-4D97-AF65-F5344CB8AC3E}">
-        <p14:creationId xmlns:p14="http://schemas.microsoft.com/office/powerpoint/2010/main" val="1758055549"/>
+        <p14:creationId xmlns:p14="http://schemas.microsoft.com/office/powerpoint/2010/main" val="1276825117"/>
       </p:ext>
     </p:extLst>
   </p:cSld>
@@ -5232,6 +5647,199 @@
             </a:pPr>
             <a:r>
               <a:rPr lang="en-US" sz="3600" dirty="0"/>
+              <a:t>Text File End-Of-Line (EOL) and Encoding</a:t>
+            </a:r>
+          </a:p>
+        </p:txBody>
+      </p:sp>
+      <p:sp>
+        <p:nvSpPr>
+          <p:cNvPr id="5" name="Content Placeholder 2">
+            <a:extLst>
+              <a:ext uri="{FF2B5EF4-FFF2-40B4-BE49-F238E27FC236}">
+                <a16:creationId xmlns:a16="http://schemas.microsoft.com/office/drawing/2014/main" id="{E8F0EA9A-219C-40FD-AE36-784EE1B77D56}"/>
+              </a:ext>
+            </a:extLst>
+          </p:cNvPr>
+          <p:cNvSpPr>
+            <a:spLocks noGrp="1"/>
+          </p:cNvSpPr>
+          <p:nvPr>
+            <p:ph idx="1"/>
+          </p:nvPr>
+        </p:nvSpPr>
+        <p:spPr>
+          <a:xfrm>
+            <a:off x="838201" y="1524953"/>
+            <a:ext cx="10515599" cy="5075871"/>
+          </a:xfrm>
+        </p:spPr>
+        <p:txBody>
+          <a:bodyPr>
+            <a:normAutofit/>
+          </a:bodyPr>
+          <a:lstStyle/>
+          <a:p>
+            <a:pPr marL="0" indent="0">
+              <a:spcAft>
+                <a:spcPts val="600"/>
+              </a:spcAft>
+              <a:buNone/>
+            </a:pPr>
+            <a:r>
+              <a:rPr lang="en-US" sz="2000" dirty="0"/>
+              <a:t>Industry adoption of end-of-line encoding includes: </a:t>
+            </a:r>
+          </a:p>
+          <a:p>
+            <a:pPr marL="0" indent="0">
+              <a:spcAft>
+                <a:spcPts val="600"/>
+              </a:spcAft>
+              <a:buNone/>
+            </a:pPr>
+            <a:endParaRPr lang="en-US" sz="2000" dirty="0"/>
+          </a:p>
+          <a:p>
+            <a:pPr marL="0" indent="0">
+              <a:spcAft>
+                <a:spcPts val="600"/>
+              </a:spcAft>
+              <a:buNone/>
+            </a:pPr>
+            <a:r>
+              <a:rPr lang="en-US" sz="2000" dirty="0"/>
+              <a:t>Windows: 	Both Carriage Return (CR, \r, 0x0d) and Line Feed (LF, \n, 0x0a) together.</a:t>
+            </a:r>
+          </a:p>
+          <a:p>
+            <a:pPr marL="0" indent="0">
+              <a:spcAft>
+                <a:spcPts val="600"/>
+              </a:spcAft>
+              <a:buNone/>
+            </a:pPr>
+            <a:r>
+              <a:rPr lang="en-US" sz="2000" dirty="0"/>
+              <a:t>Unix/Linux/OSX: 	Just Line Feed (LF, \n, 0x0a)</a:t>
+            </a:r>
+          </a:p>
+          <a:p>
+            <a:pPr marL="0" indent="0">
+              <a:spcAft>
+                <a:spcPts val="600"/>
+              </a:spcAft>
+              <a:buNone/>
+            </a:pPr>
+            <a:r>
+              <a:rPr lang="en-US" sz="2000" dirty="0"/>
+              <a:t>Mac (pre-OSX): 	Just Carriage Return (CR, \r, 0x0d)</a:t>
+            </a:r>
+          </a:p>
+          <a:p>
+            <a:pPr marL="0" indent="0">
+              <a:spcAft>
+                <a:spcPts val="600"/>
+              </a:spcAft>
+              <a:buNone/>
+            </a:pPr>
+            <a:endParaRPr lang="en-US" sz="2000" dirty="0"/>
+          </a:p>
+          <a:p>
+            <a:pPr marL="0" indent="0">
+              <a:spcAft>
+                <a:spcPts val="600"/>
+              </a:spcAft>
+              <a:buNone/>
+            </a:pPr>
+            <a:endParaRPr lang="en-US" sz="2000" dirty="0"/>
+          </a:p>
+          <a:p>
+            <a:pPr marL="0" indent="0">
+              <a:spcAft>
+                <a:spcPts val="600"/>
+              </a:spcAft>
+              <a:buNone/>
+            </a:pPr>
+            <a:r>
+              <a:rPr lang="en-US" sz="2000" dirty="0"/>
+              <a:t>Article on Windows Notepad supporting non-Windows EOF conventions </a:t>
+            </a:r>
+            <a:r>
+              <a:rPr lang="en-US" sz="2000" dirty="0">
+                <a:hlinkClick r:id="rId3"/>
+              </a:rPr>
+              <a:t>[link]</a:t>
+            </a:r>
+            <a:endParaRPr lang="en-US" sz="2000" dirty="0"/>
+          </a:p>
+        </p:txBody>
+      </p:sp>
+    </p:spTree>
+    <p:extLst>
+      <p:ext uri="{BB962C8B-B14F-4D97-AF65-F5344CB8AC3E}">
+        <p14:creationId xmlns:p14="http://schemas.microsoft.com/office/powerpoint/2010/main" val="1213491686"/>
+      </p:ext>
+    </p:extLst>
+  </p:cSld>
+  <p:clrMapOvr>
+    <a:masterClrMapping/>
+  </p:clrMapOvr>
+</p:sld>
+</file>
+
+<file path=ppt/slides/slide11.xml><?xml version="1.0" encoding="utf-8"?>
+<p:sld xmlns:a="http://schemas.openxmlformats.org/drawingml/2006/main" xmlns:r="http://schemas.openxmlformats.org/officeDocument/2006/relationships" xmlns:p="http://schemas.openxmlformats.org/presentationml/2006/main">
+  <p:cSld>
+    <p:spTree>
+      <p:nvGrpSpPr>
+        <p:cNvPr id="1" name=""/>
+        <p:cNvGrpSpPr/>
+        <p:nvPr/>
+      </p:nvGrpSpPr>
+      <p:grpSpPr>
+        <a:xfrm>
+          <a:off x="0" y="0"/>
+          <a:ext cx="0" cy="0"/>
+          <a:chOff x="0" y="0"/>
+          <a:chExt cx="0" cy="0"/>
+        </a:xfrm>
+      </p:grpSpPr>
+      <p:sp>
+        <p:nvSpPr>
+          <p:cNvPr id="4" name="Title 1">
+            <a:extLst>
+              <a:ext uri="{FF2B5EF4-FFF2-40B4-BE49-F238E27FC236}">
+                <a16:creationId xmlns:a16="http://schemas.microsoft.com/office/drawing/2014/main" id="{527CE47F-3EF6-48CA-9239-E8B6E5C6B41A}"/>
+              </a:ext>
+            </a:extLst>
+          </p:cNvPr>
+          <p:cNvSpPr>
+            <a:spLocks noGrp="1"/>
+          </p:cNvSpPr>
+          <p:nvPr>
+            <p:ph type="title"/>
+          </p:nvPr>
+        </p:nvSpPr>
+        <p:spPr>
+          <a:xfrm>
+            <a:off x="838200" y="365125"/>
+            <a:ext cx="10515600" cy="1325563"/>
+          </a:xfrm>
+        </p:spPr>
+        <p:txBody>
+          <a:bodyPr>
+            <a:normAutofit/>
+          </a:bodyPr>
+          <a:lstStyle/>
+          <a:p>
+            <a:pPr>
+              <a:spcAft>
+                <a:spcPts val="600"/>
+              </a:spcAft>
+            </a:pPr>
+            <a:r>
+              <a:rPr lang="en-US" sz="3600" dirty="0"/>
               <a:t>Special Types of Text Files</a:t>
             </a:r>
           </a:p>
@@ -5369,7 +5977,7 @@
 </p:sld>
 </file>
 
-<file path=ppt/slides/slide11.xml><?xml version="1.0" encoding="utf-8"?>
+<file path=ppt/slides/slide12.xml><?xml version="1.0" encoding="utf-8"?>
 <p:sld xmlns:a="http://schemas.openxmlformats.org/drawingml/2006/main" xmlns:r="http://schemas.openxmlformats.org/officeDocument/2006/relationships" xmlns:p="http://schemas.openxmlformats.org/presentationml/2006/main">
   <p:cSld>
     <p:spTree>
@@ -5504,7 +6112,7 @@
 </p:sld>
 </file>
 
-<file path=ppt/slides/slide12.xml><?xml version="1.0" encoding="utf-8"?>
+<file path=ppt/slides/slide13.xml><?xml version="1.0" encoding="utf-8"?>
 <p:sld xmlns:a="http://schemas.openxmlformats.org/drawingml/2006/main" xmlns:r="http://schemas.openxmlformats.org/officeDocument/2006/relationships" xmlns:p="http://schemas.openxmlformats.org/presentationml/2006/main">
   <p:cSld>
     <p:spTree>
@@ -5636,65 +6244,6 @@
 </p:sld>
 </file>
 
-<file path=ppt/slides/slide13.xml><?xml version="1.0" encoding="utf-8"?>
-<p:sld xmlns:a="http://schemas.openxmlformats.org/drawingml/2006/main" xmlns:r="http://schemas.openxmlformats.org/officeDocument/2006/relationships" xmlns:p="http://schemas.openxmlformats.org/presentationml/2006/main">
-  <p:cSld>
-    <p:spTree>
-      <p:nvGrpSpPr>
-        <p:cNvPr id="1" name=""/>
-        <p:cNvGrpSpPr/>
-        <p:nvPr/>
-      </p:nvGrpSpPr>
-      <p:grpSpPr>
-        <a:xfrm>
-          <a:off x="0" y="0"/>
-          <a:ext cx="0" cy="0"/>
-          <a:chOff x="0" y="0"/>
-          <a:chExt cx="0" cy="0"/>
-        </a:xfrm>
-      </p:grpSpPr>
-      <p:sp>
-        <p:nvSpPr>
-          <p:cNvPr id="2" name="Title 1"/>
-          <p:cNvSpPr>
-            <a:spLocks noGrp="1"/>
-          </p:cNvSpPr>
-          <p:nvPr>
-            <p:ph type="ctrTitle"/>
-          </p:nvPr>
-        </p:nvSpPr>
-        <p:spPr>
-          <a:xfrm>
-            <a:off x="1478280" y="3013218"/>
-            <a:ext cx="9144000" cy="831563"/>
-          </a:xfrm>
-        </p:spPr>
-        <p:txBody>
-          <a:bodyPr anchor="ctr">
-            <a:normAutofit/>
-          </a:bodyPr>
-          <a:lstStyle/>
-          <a:p>
-            <a:r>
-              <a:rPr lang="en-US" sz="4800" dirty="0"/>
-              <a:t>MosaicLite</a:t>
-            </a:r>
-          </a:p>
-        </p:txBody>
-      </p:sp>
-    </p:spTree>
-    <p:extLst>
-      <p:ext uri="{BB962C8B-B14F-4D97-AF65-F5344CB8AC3E}">
-        <p14:creationId xmlns:p14="http://schemas.microsoft.com/office/powerpoint/2010/main" val="54050490"/>
-      </p:ext>
-    </p:extLst>
-  </p:cSld>
-  <p:clrMapOvr>
-    <a:masterClrMapping/>
-  </p:clrMapOvr>
-</p:sld>
-</file>
-
 <file path=ppt/slides/slide14.xml><?xml version="1.0" encoding="utf-8"?>
 <p:sld xmlns:a="http://schemas.openxmlformats.org/drawingml/2006/main" xmlns:r="http://schemas.openxmlformats.org/officeDocument/2006/relationships" xmlns:p="http://schemas.openxmlformats.org/presentationml/2006/main">
   <p:cSld>
@@ -5719,117 +6268,32 @@
             <a:spLocks noGrp="1"/>
           </p:cNvSpPr>
           <p:nvPr>
-            <p:ph type="title"/>
+            <p:ph type="ctrTitle"/>
           </p:nvPr>
         </p:nvSpPr>
         <p:spPr>
           <a:xfrm>
-            <a:off x="838200" y="365126"/>
-            <a:ext cx="10515600" cy="757272"/>
+            <a:off x="1478280" y="3013218"/>
+            <a:ext cx="9144000" cy="831563"/>
           </a:xfrm>
         </p:spPr>
         <p:txBody>
-          <a:bodyPr>
+          <a:bodyPr anchor="ctr">
             <a:normAutofit/>
           </a:bodyPr>
           <a:lstStyle/>
           <a:p>
             <a:r>
-              <a:rPr lang="en-US" sz="3600" dirty="0"/>
-              <a:t>Tutorial Expectations</a:t>
-            </a:r>
-            <a:endParaRPr lang="en-US" sz="3600" b="1" i="1" u="sng" dirty="0"/>
-          </a:p>
-        </p:txBody>
-      </p:sp>
-      <p:sp>
-        <p:nvSpPr>
-          <p:cNvPr id="3" name="Content Placeholder 2"/>
-          <p:cNvSpPr>
-            <a:spLocks noGrp="1"/>
-          </p:cNvSpPr>
-          <p:nvPr>
-            <p:ph idx="1"/>
-          </p:nvPr>
-        </p:nvSpPr>
-        <p:spPr>
-          <a:xfrm>
-            <a:off x="838200" y="1245870"/>
-            <a:ext cx="10718950" cy="5339871"/>
-          </a:xfrm>
-        </p:spPr>
-        <p:txBody>
-          <a:bodyPr>
-            <a:normAutofit/>
-          </a:bodyPr>
-          <a:lstStyle/>
-          <a:p>
-            <a:pPr marL="0" indent="0">
-              <a:buNone/>
-            </a:pPr>
-            <a:r>
-              <a:rPr lang="en-US" sz="2400" dirty="0"/>
-              <a:t>After completing the tutorial you should:</a:t>
-            </a:r>
-          </a:p>
-          <a:p>
-            <a:pPr marL="457200" indent="-457200">
-              <a:buFont typeface="+mj-lt"/>
-              <a:buAutoNum type="arabicPeriod"/>
-            </a:pPr>
-            <a:r>
-              <a:rPr lang="en-US" sz="2400" dirty="0"/>
-              <a:t>Understand the code introduced during the tutorial </a:t>
-            </a:r>
-          </a:p>
-          <a:p>
-            <a:pPr marL="457200" indent="-457200">
-              <a:buFont typeface="+mj-lt"/>
-              <a:buAutoNum type="arabicPeriod"/>
-            </a:pPr>
-            <a:r>
-              <a:rPr lang="en-US" sz="2400" dirty="0"/>
-              <a:t>Write </a:t>
-            </a:r>
-            <a:r>
-              <a:rPr lang="en-US" sz="2400" u="sng" dirty="0"/>
-              <a:t>your</a:t>
-            </a:r>
-            <a:r>
-              <a:rPr lang="en-US" sz="2400" dirty="0"/>
-              <a:t> </a:t>
-            </a:r>
-            <a:r>
-              <a:rPr lang="en-US" sz="2400" u="sng" dirty="0"/>
-              <a:t>own</a:t>
-            </a:r>
-            <a:r>
-              <a:rPr lang="en-US" sz="2400" dirty="0"/>
-              <a:t> application from scratch during the tutorial… do not copy/past this tutorial code</a:t>
-            </a:r>
-          </a:p>
-          <a:p>
-            <a:pPr marL="457200" indent="-457200">
-              <a:buFont typeface="+mj-lt"/>
-              <a:buAutoNum type="arabicPeriod"/>
-            </a:pPr>
-            <a:r>
-              <a:rPr lang="en-US" sz="2400" dirty="0"/>
-              <a:t>Start with a “blank sheet of paper” when you develop your programming assignment for this sprint</a:t>
-            </a:r>
-          </a:p>
-          <a:p>
-            <a:pPr marL="0" indent="0">
-              <a:buNone/>
-            </a:pPr>
-            <a:endParaRPr lang="en-US" sz="2400" dirty="0"/>
+              <a:rPr lang="en-US" sz="4800" dirty="0"/>
+              <a:t>Lab</a:t>
+            </a:r>
           </a:p>
         </p:txBody>
       </p:sp>
     </p:spTree>
     <p:extLst>
       <p:ext uri="{BB962C8B-B14F-4D97-AF65-F5344CB8AC3E}">
-        <p14:creationId xmlns:p14="http://schemas.microsoft.com/office/powerpoint/2010/main" val="3261263573"/>
+        <p14:creationId xmlns:p14="http://schemas.microsoft.com/office/powerpoint/2010/main" val="54050490"/>
       </p:ext>
     </p:extLst>
   </p:cSld>
@@ -5863,6 +6327,454 @@
             <a:spLocks noGrp="1"/>
           </p:cNvSpPr>
           <p:nvPr>
+            <p:ph type="title"/>
+          </p:nvPr>
+        </p:nvSpPr>
+        <p:spPr>
+          <a:xfrm>
+            <a:off x="838200" y="365126"/>
+            <a:ext cx="10515600" cy="757272"/>
+          </a:xfrm>
+        </p:spPr>
+        <p:txBody>
+          <a:bodyPr>
+            <a:normAutofit/>
+          </a:bodyPr>
+          <a:lstStyle/>
+          <a:p>
+            <a:r>
+              <a:rPr lang="en-US" sz="3600" dirty="0"/>
+              <a:t>Tutorial Expectations</a:t>
+            </a:r>
+            <a:endParaRPr lang="en-US" sz="3600" b="1" i="1" u="sng" dirty="0"/>
+          </a:p>
+        </p:txBody>
+      </p:sp>
+      <p:sp>
+        <p:nvSpPr>
+          <p:cNvPr id="3" name="Content Placeholder 2"/>
+          <p:cNvSpPr>
+            <a:spLocks noGrp="1"/>
+          </p:cNvSpPr>
+          <p:nvPr>
+            <p:ph idx="1"/>
+          </p:nvPr>
+        </p:nvSpPr>
+        <p:spPr>
+          <a:xfrm>
+            <a:off x="838200" y="1245870"/>
+            <a:ext cx="10718950" cy="5339871"/>
+          </a:xfrm>
+        </p:spPr>
+        <p:txBody>
+          <a:bodyPr>
+            <a:normAutofit/>
+          </a:bodyPr>
+          <a:lstStyle/>
+          <a:p>
+            <a:pPr marL="0" indent="0">
+              <a:buNone/>
+            </a:pPr>
+            <a:r>
+              <a:rPr lang="en-US" sz="2400" dirty="0"/>
+              <a:t>After completing each tutorial you should:</a:t>
+            </a:r>
+          </a:p>
+          <a:p>
+            <a:pPr marL="457200" indent="-457200">
+              <a:buFont typeface="+mj-lt"/>
+              <a:buAutoNum type="arabicPeriod"/>
+            </a:pPr>
+            <a:r>
+              <a:rPr lang="en-US" sz="2400" dirty="0"/>
+              <a:t>Understand the code introduced during the tutorial </a:t>
+            </a:r>
+          </a:p>
+          <a:p>
+            <a:pPr marL="457200" indent="-457200">
+              <a:buFont typeface="+mj-lt"/>
+              <a:buAutoNum type="arabicPeriod"/>
+            </a:pPr>
+            <a:r>
+              <a:rPr lang="en-US" sz="2400" dirty="0"/>
+              <a:t>Write </a:t>
+            </a:r>
+            <a:r>
+              <a:rPr lang="en-US" sz="2400" u="sng" dirty="0"/>
+              <a:t>your</a:t>
+            </a:r>
+            <a:r>
+              <a:rPr lang="en-US" sz="2400" dirty="0"/>
+              <a:t> </a:t>
+            </a:r>
+            <a:r>
+              <a:rPr lang="en-US" sz="2400" u="sng" dirty="0"/>
+              <a:t>own</a:t>
+            </a:r>
+            <a:r>
+              <a:rPr lang="en-US" sz="2400" dirty="0"/>
+              <a:t> application from scratch during the tutorial… do not copy/past this tutorial code</a:t>
+            </a:r>
+          </a:p>
+          <a:p>
+            <a:pPr marL="457200" indent="-457200">
+              <a:buFont typeface="+mj-lt"/>
+              <a:buAutoNum type="arabicPeriod"/>
+            </a:pPr>
+            <a:r>
+              <a:rPr lang="en-US" sz="2400" dirty="0"/>
+              <a:t>Start with a “blank sheet of paper” when you develop your programming assignment for this sprint</a:t>
+            </a:r>
+          </a:p>
+          <a:p>
+            <a:pPr marL="0" indent="0">
+              <a:buNone/>
+            </a:pPr>
+            <a:endParaRPr lang="en-US" sz="2400" dirty="0"/>
+          </a:p>
+        </p:txBody>
+      </p:sp>
+    </p:spTree>
+    <p:extLst>
+      <p:ext uri="{BB962C8B-B14F-4D97-AF65-F5344CB8AC3E}">
+        <p14:creationId xmlns:p14="http://schemas.microsoft.com/office/powerpoint/2010/main" val="3261263573"/>
+      </p:ext>
+    </p:extLst>
+  </p:cSld>
+  <p:clrMapOvr>
+    <a:masterClrMapping/>
+  </p:clrMapOvr>
+</p:sld>
+</file>
+
+<file path=ppt/slides/slide16.xml><?xml version="1.0" encoding="utf-8"?>
+<p:sld xmlns:a="http://schemas.openxmlformats.org/drawingml/2006/main" xmlns:r="http://schemas.openxmlformats.org/officeDocument/2006/relationships" xmlns:p="http://schemas.openxmlformats.org/presentationml/2006/main">
+  <p:cSld>
+    <p:spTree>
+      <p:nvGrpSpPr>
+        <p:cNvPr id="1" name=""/>
+        <p:cNvGrpSpPr/>
+        <p:nvPr/>
+      </p:nvGrpSpPr>
+      <p:grpSpPr>
+        <a:xfrm>
+          <a:off x="0" y="0"/>
+          <a:ext cx="0" cy="0"/>
+          <a:chOff x="0" y="0"/>
+          <a:chExt cx="0" cy="0"/>
+        </a:xfrm>
+      </p:grpSpPr>
+      <p:sp>
+        <p:nvSpPr>
+          <p:cNvPr id="2" name="Title 1"/>
+          <p:cNvSpPr>
+            <a:spLocks noGrp="1"/>
+          </p:cNvSpPr>
+          <p:nvPr>
+            <p:ph type="title"/>
+          </p:nvPr>
+        </p:nvSpPr>
+        <p:spPr>
+          <a:xfrm>
+            <a:off x="838200" y="365126"/>
+            <a:ext cx="10515600" cy="757272"/>
+          </a:xfrm>
+        </p:spPr>
+        <p:txBody>
+          <a:bodyPr>
+            <a:normAutofit/>
+          </a:bodyPr>
+          <a:lstStyle/>
+          <a:p>
+            <a:r>
+              <a:rPr lang="en-US" sz="3600" dirty="0"/>
+              <a:t>Lab</a:t>
+            </a:r>
+            <a:endParaRPr lang="en-US" sz="3600" b="1" i="1" u="sng" dirty="0"/>
+          </a:p>
+        </p:txBody>
+      </p:sp>
+      <p:sp>
+        <p:nvSpPr>
+          <p:cNvPr id="3" name="Content Placeholder 2"/>
+          <p:cNvSpPr>
+            <a:spLocks noGrp="1"/>
+          </p:cNvSpPr>
+          <p:nvPr>
+            <p:ph idx="1"/>
+          </p:nvPr>
+        </p:nvSpPr>
+        <p:spPr>
+          <a:xfrm>
+            <a:off x="838200" y="1122398"/>
+            <a:ext cx="10718950" cy="5463343"/>
+          </a:xfrm>
+        </p:spPr>
+        <p:txBody>
+          <a:bodyPr>
+            <a:normAutofit/>
+          </a:bodyPr>
+          <a:lstStyle/>
+          <a:p>
+            <a:pPr marL="0" indent="0">
+              <a:buNone/>
+            </a:pPr>
+            <a:r>
+              <a:rPr lang="en-US" sz="2400" dirty="0"/>
+              <a:t>In today’s lab we will:</a:t>
+            </a:r>
+          </a:p>
+          <a:p>
+            <a:pPr marL="457200" indent="-457200">
+              <a:buFont typeface="+mj-lt"/>
+              <a:buAutoNum type="arabicPeriod"/>
+            </a:pPr>
+            <a:r>
+              <a:rPr lang="en-US" sz="2400" dirty="0"/>
+              <a:t>Review “</a:t>
+            </a:r>
+            <a:r>
+              <a:rPr lang="en-US" sz="2400" dirty="0" err="1"/>
+              <a:t>OvalDrawPlus</a:t>
+            </a:r>
+            <a:r>
+              <a:rPr lang="en-US" sz="2400" dirty="0"/>
+              <a:t> with ActionListeners” code which is in the “</a:t>
+            </a:r>
+            <a:r>
+              <a:rPr lang="en-US" sz="2400" dirty="0" err="1"/>
+              <a:t>ShapeDraw</a:t>
+            </a:r>
+            <a:r>
+              <a:rPr lang="en-US" sz="2400" dirty="0"/>
+              <a:t>” folder</a:t>
+            </a:r>
+          </a:p>
+          <a:p>
+            <a:pPr marL="457200" indent="-457200">
+              <a:buFont typeface="+mj-lt"/>
+              <a:buAutoNum type="arabicPeriod"/>
+            </a:pPr>
+            <a:r>
+              <a:rPr lang="en-US" sz="2400" dirty="0"/>
+              <a:t>Review the “</a:t>
+            </a:r>
+            <a:r>
+              <a:rPr lang="en-US" sz="2400" dirty="0" err="1"/>
+              <a:t>OvalDrawPlus</a:t>
+            </a:r>
+            <a:r>
+              <a:rPr lang="en-US" sz="2400" dirty="0"/>
+              <a:t> with Menus &amp; Colors” code which is in the “</a:t>
+            </a:r>
+            <a:r>
+              <a:rPr lang="en-US" sz="2400" dirty="0" err="1"/>
+              <a:t>ShapeDrawPlus</a:t>
+            </a:r>
+            <a:r>
+              <a:rPr lang="en-US" sz="2400" dirty="0"/>
+              <a:t>” folder</a:t>
+            </a:r>
+          </a:p>
+          <a:p>
+            <a:pPr marL="457200" indent="-457200">
+              <a:buFont typeface="+mj-lt"/>
+              <a:buAutoNum type="arabicPeriod"/>
+            </a:pPr>
+            <a:r>
+              <a:rPr lang="en-US" sz="2400" dirty="0"/>
+              <a:t>Complete the “</a:t>
+            </a:r>
+            <a:r>
+              <a:rPr lang="en-US" sz="2400" dirty="0" err="1"/>
+              <a:t>OvalDrawPlus</a:t>
+            </a:r>
+            <a:r>
+              <a:rPr lang="en-US" sz="2400" dirty="0"/>
+              <a:t> with ActionListeners” tutorial</a:t>
+            </a:r>
+          </a:p>
+          <a:p>
+            <a:pPr marL="0" indent="0">
+              <a:buNone/>
+            </a:pPr>
+            <a:endParaRPr lang="en-US" sz="2400" dirty="0"/>
+          </a:p>
+          <a:p>
+            <a:pPr marL="0" indent="0">
+              <a:buNone/>
+            </a:pPr>
+            <a:r>
+              <a:rPr lang="en-US" sz="2400" dirty="0"/>
+              <a:t>Note you should have completed “MosaicLite” already and that you still need to complete “</a:t>
+            </a:r>
+            <a:r>
+              <a:rPr lang="en-US" sz="2400" dirty="0" err="1"/>
+              <a:t>OvalDrawPlus</a:t>
+            </a:r>
+            <a:r>
+              <a:rPr lang="en-US" sz="2400" dirty="0"/>
+              <a:t> with Menus &amp; Colors”</a:t>
+            </a:r>
+          </a:p>
+          <a:p>
+            <a:pPr marL="457200" indent="-457200">
+              <a:buFont typeface="+mj-lt"/>
+              <a:buAutoNum type="arabicPeriod"/>
+            </a:pPr>
+            <a:endParaRPr lang="en-US" sz="2400" dirty="0"/>
+          </a:p>
+          <a:p>
+            <a:pPr marL="457200" indent="-457200">
+              <a:buFont typeface="+mj-lt"/>
+              <a:buAutoNum type="arabicPeriod"/>
+            </a:pPr>
+            <a:endParaRPr lang="en-US" sz="2400" dirty="0"/>
+          </a:p>
+          <a:p>
+            <a:pPr marL="457200" indent="-457200">
+              <a:buFont typeface="+mj-lt"/>
+              <a:buAutoNum type="arabicPeriod"/>
+            </a:pPr>
+            <a:endParaRPr lang="en-US" sz="2400" dirty="0"/>
+          </a:p>
+        </p:txBody>
+      </p:sp>
+    </p:spTree>
+    <p:extLst>
+      <p:ext uri="{BB962C8B-B14F-4D97-AF65-F5344CB8AC3E}">
+        <p14:creationId xmlns:p14="http://schemas.microsoft.com/office/powerpoint/2010/main" val="377736959"/>
+      </p:ext>
+    </p:extLst>
+  </p:cSld>
+  <p:clrMapOvr>
+    <a:masterClrMapping/>
+  </p:clrMapOvr>
+</p:sld>
+</file>
+
+<file path=ppt/slides/slide17.xml><?xml version="1.0" encoding="utf-8"?>
+<p:sld xmlns:a="http://schemas.openxmlformats.org/drawingml/2006/main" xmlns:r="http://schemas.openxmlformats.org/officeDocument/2006/relationships" xmlns:p="http://schemas.openxmlformats.org/presentationml/2006/main">
+  <p:cSld>
+    <p:spTree>
+      <p:nvGrpSpPr>
+        <p:cNvPr id="1" name=""/>
+        <p:cNvGrpSpPr/>
+        <p:nvPr/>
+      </p:nvGrpSpPr>
+      <p:grpSpPr>
+        <a:xfrm>
+          <a:off x="0" y="0"/>
+          <a:ext cx="0" cy="0"/>
+          <a:chOff x="0" y="0"/>
+          <a:chExt cx="0" cy="0"/>
+        </a:xfrm>
+      </p:grpSpPr>
+      <p:sp>
+        <p:nvSpPr>
+          <p:cNvPr id="2" name="Title 1"/>
+          <p:cNvSpPr>
+            <a:spLocks noGrp="1"/>
+          </p:cNvSpPr>
+          <p:nvPr>
+            <p:ph type="title"/>
+          </p:nvPr>
+        </p:nvSpPr>
+        <p:spPr>
+          <a:xfrm>
+            <a:off x="838200" y="365126"/>
+            <a:ext cx="10515600" cy="757272"/>
+          </a:xfrm>
+        </p:spPr>
+        <p:txBody>
+          <a:bodyPr>
+            <a:normAutofit/>
+          </a:bodyPr>
+          <a:lstStyle/>
+          <a:p>
+            <a:r>
+              <a:rPr lang="en-US" sz="3600" dirty="0"/>
+              <a:t>Review “</a:t>
+            </a:r>
+            <a:r>
+              <a:rPr lang="en-US" sz="3600" dirty="0" err="1"/>
+              <a:t>OvalDrawPlus</a:t>
+            </a:r>
+            <a:r>
+              <a:rPr lang="en-US" sz="3600" dirty="0"/>
+              <a:t> with ActionListeners” code </a:t>
+            </a:r>
+            <a:endParaRPr lang="en-US" sz="3600" b="1" i="1" u="sng" dirty="0"/>
+          </a:p>
+        </p:txBody>
+      </p:sp>
+      <p:pic>
+        <p:nvPicPr>
+          <p:cNvPr id="6" name="Picture 5">
+            <a:extLst>
+              <a:ext uri="{FF2B5EF4-FFF2-40B4-BE49-F238E27FC236}">
+                <a16:creationId xmlns:a16="http://schemas.microsoft.com/office/drawing/2014/main" id="{84658E9E-2A96-4D1B-AEC4-1DDAC50D6711}"/>
+              </a:ext>
+            </a:extLst>
+          </p:cNvPr>
+          <p:cNvPicPr>
+            <a:picLocks noChangeAspect="1"/>
+          </p:cNvPicPr>
+          <p:nvPr/>
+        </p:nvPicPr>
+        <p:blipFill>
+          <a:blip r:embed="rId3"/>
+          <a:stretch>
+            <a:fillRect/>
+          </a:stretch>
+        </p:blipFill>
+        <p:spPr>
+          <a:xfrm>
+            <a:off x="1650015" y="1399822"/>
+            <a:ext cx="8581819" cy="4575764"/>
+          </a:xfrm>
+          <a:prstGeom prst="rect">
+            <a:avLst/>
+          </a:prstGeom>
+        </p:spPr>
+      </p:pic>
+    </p:spTree>
+    <p:extLst>
+      <p:ext uri="{BB962C8B-B14F-4D97-AF65-F5344CB8AC3E}">
+        <p14:creationId xmlns:p14="http://schemas.microsoft.com/office/powerpoint/2010/main" val="1254021512"/>
+      </p:ext>
+    </p:extLst>
+  </p:cSld>
+  <p:clrMapOvr>
+    <a:masterClrMapping/>
+  </p:clrMapOvr>
+</p:sld>
+</file>
+
+<file path=ppt/slides/slide18.xml><?xml version="1.0" encoding="utf-8"?>
+<p:sld xmlns:a="http://schemas.openxmlformats.org/drawingml/2006/main" xmlns:r="http://schemas.openxmlformats.org/officeDocument/2006/relationships" xmlns:p="http://schemas.openxmlformats.org/presentationml/2006/main">
+  <p:cSld>
+    <p:spTree>
+      <p:nvGrpSpPr>
+        <p:cNvPr id="1" name=""/>
+        <p:cNvGrpSpPr/>
+        <p:nvPr/>
+      </p:nvGrpSpPr>
+      <p:grpSpPr>
+        <a:xfrm>
+          <a:off x="0" y="0"/>
+          <a:ext cx="0" cy="0"/>
+          <a:chOff x="0" y="0"/>
+          <a:chExt cx="0" cy="0"/>
+        </a:xfrm>
+      </p:grpSpPr>
+      <p:sp>
+        <p:nvSpPr>
+          <p:cNvPr id="2" name="Title 1"/>
+          <p:cNvSpPr>
+            <a:spLocks noGrp="1"/>
+          </p:cNvSpPr>
+          <p:nvPr>
             <p:ph type="ctrTitle"/>
           </p:nvPr>
         </p:nvSpPr>
@@ -5873,15 +6785,97 @@
           </a:xfrm>
         </p:spPr>
         <p:txBody>
-          <a:bodyPr>
-            <a:normAutofit/>
+          <a:bodyPr anchor="ctr">
+            <a:normAutofit fontScale="90000"/>
           </a:bodyPr>
           <a:lstStyle/>
           <a:p>
             <a:r>
               <a:rPr lang="en-US" sz="4800" dirty="0"/>
-              <a:t>Lab: MosaicLite Tutorial</a:t>
-            </a:r>
+              <a:t>Review the “</a:t>
+            </a:r>
+            <a:r>
+              <a:rPr lang="en-US" sz="4800" dirty="0" err="1"/>
+              <a:t>OvalDrawPlus</a:t>
+            </a:r>
+            <a:r>
+              <a:rPr lang="en-US" sz="4800" dirty="0"/>
+              <a:t> with Menus &amp; Colors” Code</a:t>
+            </a:r>
+          </a:p>
+        </p:txBody>
+      </p:sp>
+    </p:spTree>
+    <p:extLst>
+      <p:ext uri="{BB962C8B-B14F-4D97-AF65-F5344CB8AC3E}">
+        <p14:creationId xmlns:p14="http://schemas.microsoft.com/office/powerpoint/2010/main" val="1466864313"/>
+      </p:ext>
+    </p:extLst>
+  </p:cSld>
+  <p:clrMapOvr>
+    <a:masterClrMapping/>
+  </p:clrMapOvr>
+</p:sld>
+</file>
+
+<file path=ppt/slides/slide19.xml><?xml version="1.0" encoding="utf-8"?>
+<p:sld xmlns:a="http://schemas.openxmlformats.org/drawingml/2006/main" xmlns:r="http://schemas.openxmlformats.org/officeDocument/2006/relationships" xmlns:p="http://schemas.openxmlformats.org/presentationml/2006/main">
+  <p:cSld>
+    <p:spTree>
+      <p:nvGrpSpPr>
+        <p:cNvPr id="1" name=""/>
+        <p:cNvGrpSpPr/>
+        <p:nvPr/>
+      </p:nvGrpSpPr>
+      <p:grpSpPr>
+        <a:xfrm>
+          <a:off x="0" y="0"/>
+          <a:ext cx="0" cy="0"/>
+          <a:chOff x="0" y="0"/>
+          <a:chExt cx="0" cy="0"/>
+        </a:xfrm>
+      </p:grpSpPr>
+      <p:sp>
+        <p:nvSpPr>
+          <p:cNvPr id="2" name="Title 1"/>
+          <p:cNvSpPr>
+            <a:spLocks noGrp="1"/>
+          </p:cNvSpPr>
+          <p:nvPr>
+            <p:ph type="ctrTitle"/>
+          </p:nvPr>
+        </p:nvSpPr>
+        <p:spPr>
+          <a:xfrm>
+            <a:off x="1478280" y="3013218"/>
+            <a:ext cx="9144000" cy="831563"/>
+          </a:xfrm>
+        </p:spPr>
+        <p:txBody>
+          <a:bodyPr anchor="ctr">
+            <a:normAutofit fontScale="90000"/>
+          </a:bodyPr>
+          <a:lstStyle/>
+          <a:p>
+            <a:r>
+              <a:rPr lang="en-US" sz="4800" dirty="0"/>
+              <a:t>Complete the “</a:t>
+            </a:r>
+            <a:r>
+              <a:rPr lang="en-US" sz="4800" dirty="0" err="1"/>
+              <a:t>OvalDrawPlus</a:t>
+            </a:r>
+            <a:r>
+              <a:rPr lang="en-US" sz="4800" dirty="0"/>
+              <a:t> with ActionListeners” tutorial </a:t>
+            </a:r>
+            <a:r>
+              <a:rPr lang="en-US" sz="4800" dirty="0">
+                <a:hlinkClick r:id="rId3"/>
+              </a:rPr>
+              <a:t>[link]</a:t>
+            </a:r>
+            <a:endParaRPr lang="en-US" sz="4800" dirty="0"/>
           </a:p>
         </p:txBody>
       </p:sp>
@@ -5898,7 +6892,208 @@
 </p:sld>
 </file>
 
-<file path=ppt/slides/slide16.xml><?xml version="1.0" encoding="utf-8"?>
+<file path=ppt/slides/slide2.xml><?xml version="1.0" encoding="utf-8"?>
+<p:sld xmlns:a="http://schemas.openxmlformats.org/drawingml/2006/main" xmlns:r="http://schemas.openxmlformats.org/officeDocument/2006/relationships" xmlns:p="http://schemas.openxmlformats.org/presentationml/2006/main">
+  <p:cSld>
+    <p:spTree>
+      <p:nvGrpSpPr>
+        <p:cNvPr id="1" name=""/>
+        <p:cNvGrpSpPr/>
+        <p:nvPr/>
+      </p:nvGrpSpPr>
+      <p:grpSpPr>
+        <a:xfrm>
+          <a:off x="0" y="0"/>
+          <a:ext cx="0" cy="0"/>
+          <a:chOff x="0" y="0"/>
+          <a:chExt cx="0" cy="0"/>
+        </a:xfrm>
+      </p:grpSpPr>
+      <p:sp>
+        <p:nvSpPr>
+          <p:cNvPr id="2" name="Title 1"/>
+          <p:cNvSpPr>
+            <a:spLocks noGrp="1"/>
+          </p:cNvSpPr>
+          <p:nvPr>
+            <p:ph type="title"/>
+          </p:nvPr>
+        </p:nvSpPr>
+        <p:spPr/>
+        <p:txBody>
+          <a:bodyPr>
+            <a:normAutofit/>
+          </a:bodyPr>
+          <a:lstStyle/>
+          <a:p>
+            <a:r>
+              <a:rPr lang="en-US" sz="3600" dirty="0"/>
+              <a:t>Recorded Sessions</a:t>
+            </a:r>
+          </a:p>
+        </p:txBody>
+      </p:sp>
+      <p:sp>
+        <p:nvSpPr>
+          <p:cNvPr id="5" name="Content Placeholder 4">
+            <a:extLst>
+              <a:ext uri="{FF2B5EF4-FFF2-40B4-BE49-F238E27FC236}">
+                <a16:creationId xmlns:a16="http://schemas.microsoft.com/office/drawing/2014/main" id="{935161E5-944F-4CEA-A7DD-3B3BEF0F30C4}"/>
+              </a:ext>
+            </a:extLst>
+          </p:cNvPr>
+          <p:cNvSpPr>
+            <a:spLocks noGrp="1"/>
+          </p:cNvSpPr>
+          <p:nvPr>
+            <p:ph idx="1"/>
+          </p:nvPr>
+        </p:nvSpPr>
+        <p:spPr>
+          <a:xfrm>
+            <a:off x="868304" y="1479433"/>
+            <a:ext cx="10515600" cy="4351338"/>
+          </a:xfrm>
+        </p:spPr>
+        <p:txBody>
+          <a:bodyPr>
+            <a:normAutofit/>
+          </a:bodyPr>
+          <a:lstStyle/>
+          <a:p>
+            <a:pPr marL="0" indent="0">
+              <a:buNone/>
+            </a:pPr>
+            <a:r>
+              <a:rPr lang="en-US" sz="2000" dirty="0"/>
+              <a:t>Checklist for recorded sessions:</a:t>
+            </a:r>
+          </a:p>
+          <a:p>
+            <a:pPr marL="457200" indent="-457200">
+              <a:buFont typeface="+mj-lt"/>
+              <a:buAutoNum type="arabicPeriod"/>
+            </a:pPr>
+            <a:r>
+              <a:rPr lang="en-US" sz="2000" dirty="0"/>
+              <a:t>Verify recorded screen resolution of 1080p (1920x1080)</a:t>
+            </a:r>
+          </a:p>
+          <a:p>
+            <a:pPr marL="457200" indent="-457200">
+              <a:buFont typeface="+mj-lt"/>
+              <a:buAutoNum type="arabicPeriod"/>
+            </a:pPr>
+            <a:r>
+              <a:rPr lang="en-US" sz="2000" dirty="0"/>
+              <a:t>Verify chat session open &amp; working</a:t>
+            </a:r>
+          </a:p>
+          <a:p>
+            <a:pPr marL="457200" indent="-457200">
+              <a:buFont typeface="+mj-lt"/>
+              <a:buAutoNum type="arabicPeriod"/>
+            </a:pPr>
+            <a:r>
+              <a:rPr lang="en-US" sz="2000" dirty="0"/>
+              <a:t>Optionally mute lines to eliminate background noise</a:t>
+            </a:r>
+          </a:p>
+          <a:p>
+            <a:pPr marL="457200" indent="-457200">
+              <a:buFont typeface="+mj-lt"/>
+              <a:buAutoNum type="arabicPeriod"/>
+            </a:pPr>
+            <a:r>
+              <a:rPr lang="en-US" sz="2000" dirty="0"/>
+              <a:t>Start recording</a:t>
+            </a:r>
+          </a:p>
+          <a:p>
+            <a:pPr marL="457200" indent="-457200">
+              <a:buFont typeface="+mj-lt"/>
+              <a:buAutoNum type="arabicPeriod"/>
+            </a:pPr>
+            <a:r>
+              <a:rPr lang="en-US" sz="2000" dirty="0"/>
+              <a:t>Remember to stop recording before exiting session</a:t>
+            </a:r>
+          </a:p>
+        </p:txBody>
+      </p:sp>
+    </p:spTree>
+    <p:extLst>
+      <p:ext uri="{BB962C8B-B14F-4D97-AF65-F5344CB8AC3E}">
+        <p14:creationId xmlns:p14="http://schemas.microsoft.com/office/powerpoint/2010/main" val="3817479444"/>
+      </p:ext>
+    </p:extLst>
+  </p:cSld>
+  <p:clrMapOvr>
+    <a:masterClrMapping/>
+  </p:clrMapOvr>
+</p:sld>
+</file>
+
+<file path=ppt/slides/slide20.xml><?xml version="1.0" encoding="utf-8"?>
+<p:sld xmlns:a="http://schemas.openxmlformats.org/drawingml/2006/main" xmlns:r="http://schemas.openxmlformats.org/officeDocument/2006/relationships" xmlns:p="http://schemas.openxmlformats.org/presentationml/2006/main">
+  <p:cSld>
+    <p:spTree>
+      <p:nvGrpSpPr>
+        <p:cNvPr id="1" name=""/>
+        <p:cNvGrpSpPr/>
+        <p:nvPr/>
+      </p:nvGrpSpPr>
+      <p:grpSpPr>
+        <a:xfrm>
+          <a:off x="0" y="0"/>
+          <a:ext cx="0" cy="0"/>
+          <a:chOff x="0" y="0"/>
+          <a:chExt cx="0" cy="0"/>
+        </a:xfrm>
+      </p:grpSpPr>
+      <p:sp>
+        <p:nvSpPr>
+          <p:cNvPr id="2" name="Title 1"/>
+          <p:cNvSpPr>
+            <a:spLocks noGrp="1"/>
+          </p:cNvSpPr>
+          <p:nvPr>
+            <p:ph type="ctrTitle"/>
+          </p:nvPr>
+        </p:nvSpPr>
+        <p:spPr>
+          <a:xfrm>
+            <a:off x="1478280" y="3013218"/>
+            <a:ext cx="9144000" cy="831563"/>
+          </a:xfrm>
+        </p:spPr>
+        <p:txBody>
+          <a:bodyPr anchor="ctr">
+            <a:normAutofit fontScale="90000"/>
+          </a:bodyPr>
+          <a:lstStyle/>
+          <a:p>
+            <a:r>
+              <a:rPr lang="en-US" sz="4800" dirty="0"/>
+              <a:t>Compete MosaicLite Tutorial… If you have not completed it already</a:t>
+            </a:r>
+          </a:p>
+        </p:txBody>
+      </p:sp>
+    </p:spTree>
+    <p:extLst>
+      <p:ext uri="{BB962C8B-B14F-4D97-AF65-F5344CB8AC3E}">
+        <p14:creationId xmlns:p14="http://schemas.microsoft.com/office/powerpoint/2010/main" val="3014276839"/>
+      </p:ext>
+    </p:extLst>
+  </p:cSld>
+  <p:clrMapOvr>
+    <a:masterClrMapping/>
+  </p:clrMapOvr>
+</p:sld>
+</file>
+
+<file path=ppt/slides/slide21.xml><?xml version="1.0" encoding="utf-8"?>
 <p:sld xmlns:a="http://schemas.openxmlformats.org/drawingml/2006/main" xmlns:r="http://schemas.openxmlformats.org/officeDocument/2006/relationships" xmlns:p="http://schemas.openxmlformats.org/presentationml/2006/main">
   <p:cSld>
     <p:bg>
@@ -5967,148 +7162,6 @@
 </p:sld>
 </file>
 
-<file path=ppt/slides/slide2.xml><?xml version="1.0" encoding="utf-8"?>
-<p:sld xmlns:a="http://schemas.openxmlformats.org/drawingml/2006/main" xmlns:r="http://schemas.openxmlformats.org/officeDocument/2006/relationships" xmlns:p="http://schemas.openxmlformats.org/presentationml/2006/main">
-  <p:cSld>
-    <p:spTree>
-      <p:nvGrpSpPr>
-        <p:cNvPr id="1" name=""/>
-        <p:cNvGrpSpPr/>
-        <p:nvPr/>
-      </p:nvGrpSpPr>
-      <p:grpSpPr>
-        <a:xfrm>
-          <a:off x="0" y="0"/>
-          <a:ext cx="0" cy="0"/>
-          <a:chOff x="0" y="0"/>
-          <a:chExt cx="0" cy="0"/>
-        </a:xfrm>
-      </p:grpSpPr>
-      <p:sp>
-        <p:nvSpPr>
-          <p:cNvPr id="2" name="Title 1"/>
-          <p:cNvSpPr>
-            <a:spLocks noGrp="1"/>
-          </p:cNvSpPr>
-          <p:nvPr>
-            <p:ph type="title"/>
-          </p:nvPr>
-        </p:nvSpPr>
-        <p:spPr/>
-        <p:txBody>
-          <a:bodyPr>
-            <a:normAutofit/>
-          </a:bodyPr>
-          <a:lstStyle/>
-          <a:p>
-            <a:r>
-              <a:rPr lang="en-US" sz="3600" dirty="0"/>
-              <a:t>For Recorded Sessions</a:t>
-            </a:r>
-          </a:p>
-        </p:txBody>
-      </p:sp>
-      <p:sp>
-        <p:nvSpPr>
-          <p:cNvPr id="5" name="Content Placeholder 4">
-            <a:extLst>
-              <a:ext uri="{FF2B5EF4-FFF2-40B4-BE49-F238E27FC236}">
-                <a16:creationId xmlns:a16="http://schemas.microsoft.com/office/drawing/2014/main" id="{935161E5-944F-4CEA-A7DD-3B3BEF0F30C4}"/>
-              </a:ext>
-            </a:extLst>
-          </p:cNvPr>
-          <p:cNvSpPr>
-            <a:spLocks noGrp="1"/>
-          </p:cNvSpPr>
-          <p:nvPr>
-            <p:ph idx="1"/>
-          </p:nvPr>
-        </p:nvSpPr>
-        <p:spPr>
-          <a:xfrm>
-            <a:off x="868304" y="1479433"/>
-            <a:ext cx="10515600" cy="4351338"/>
-          </a:xfrm>
-        </p:spPr>
-        <p:txBody>
-          <a:bodyPr>
-            <a:normAutofit/>
-          </a:bodyPr>
-          <a:lstStyle/>
-          <a:p>
-            <a:pPr marL="0" indent="0">
-              <a:buNone/>
-            </a:pPr>
-            <a:r>
-              <a:rPr lang="en-US" sz="2000" dirty="0"/>
-              <a:t>Checklist for recorded sessions:</a:t>
-            </a:r>
-          </a:p>
-          <a:p>
-            <a:pPr marL="457200" indent="-457200">
-              <a:buFont typeface="+mj-lt"/>
-              <a:buAutoNum type="arabicPeriod"/>
-            </a:pPr>
-            <a:r>
-              <a:rPr lang="en-US" sz="2000" dirty="0"/>
-              <a:t>Verify recorded screen resolution of 1080p (1920x1080)</a:t>
-            </a:r>
-          </a:p>
-          <a:p>
-            <a:pPr marL="457200" indent="-457200">
-              <a:buFont typeface="+mj-lt"/>
-              <a:buAutoNum type="arabicPeriod"/>
-            </a:pPr>
-            <a:r>
-              <a:rPr lang="en-US" sz="2000" dirty="0"/>
-              <a:t>Verify chat session open &amp; working</a:t>
-            </a:r>
-          </a:p>
-          <a:p>
-            <a:pPr marL="457200" indent="-457200">
-              <a:buFont typeface="+mj-lt"/>
-              <a:buAutoNum type="arabicPeriod"/>
-            </a:pPr>
-            <a:r>
-              <a:rPr lang="en-US" sz="2000" dirty="0"/>
-              <a:t>Optionally mute lines to eliminate background noise</a:t>
-            </a:r>
-          </a:p>
-          <a:p>
-            <a:pPr marL="457200" indent="-457200">
-              <a:buFont typeface="+mj-lt"/>
-              <a:buAutoNum type="arabicPeriod"/>
-            </a:pPr>
-            <a:r>
-              <a:rPr lang="en-US" sz="2000" dirty="0"/>
-              <a:t>Start recording</a:t>
-            </a:r>
-          </a:p>
-          <a:p>
-            <a:pPr marL="457200" indent="-457200">
-              <a:buFont typeface="+mj-lt"/>
-              <a:buAutoNum type="arabicPeriod"/>
-            </a:pPr>
-            <a:r>
-              <a:rPr lang="en-US" sz="2000" dirty="0"/>
-              <a:t>Remember to stop recording before exiting session</a:t>
-            </a:r>
-          </a:p>
-        </p:txBody>
-      </p:sp>
-    </p:spTree>
-    <p:extLst>
-      <p:ext uri="{BB962C8B-B14F-4D97-AF65-F5344CB8AC3E}">
-        <p14:creationId xmlns:p14="http://schemas.microsoft.com/office/powerpoint/2010/main" val="3817479444"/>
-      </p:ext>
-    </p:extLst>
-  </p:cSld>
-  <p:clrMapOvr>
-    <a:masterClrMapping/>
-  </p:clrMapOvr>
-</p:sld>
-</file>
-
 <file path=ppt/slides/slide3.xml><?xml version="1.0" encoding="utf-8"?>
 <p:sld xmlns:a="http://schemas.openxmlformats.org/drawingml/2006/main" xmlns:r="http://schemas.openxmlformats.org/officeDocument/2006/relationships" xmlns:p="http://schemas.openxmlformats.org/presentationml/2006/main">
   <p:cSld>
@@ -6208,7 +7261,7 @@
             </a:pPr>
             <a:r>
               <a:rPr lang="en-US" sz="2000" dirty="0"/>
-              <a:t>Agenda for Sprint 4 Discussion, Lecture, and Lab session(s):</a:t>
+              <a:t>Agenda for Sprint 4 Discussion, Lecture, and Lab:</a:t>
             </a:r>
           </a:p>
           <a:p>
@@ -6218,7 +7271,7 @@
             </a:pPr>
             <a:r>
               <a:rPr lang="en-US" sz="2000" dirty="0"/>
-              <a:t>Discuss how our Sprint 3 Retrospective and Quiz 3 Review will be handled separately</a:t>
+              <a:t>Discuss Quiz 3 Review</a:t>
             </a:r>
           </a:p>
           <a:p>
@@ -6228,7 +7281,7 @@
             </a:pPr>
             <a:r>
               <a:rPr lang="en-US" sz="2000" dirty="0"/>
-              <a:t>Learning Objectives</a:t>
+              <a:t>Review Learning Objectives</a:t>
             </a:r>
           </a:p>
           <a:p>
@@ -6238,7 +7291,7 @@
             </a:pPr>
             <a:r>
               <a:rPr lang="en-US" sz="2000" dirty="0"/>
-              <a:t>Sprint Planning</a:t>
+              <a:t>Complete Sprint 4 Planning</a:t>
             </a:r>
           </a:p>
           <a:p>
@@ -6248,7 +7301,7 @@
             </a:pPr>
             <a:r>
               <a:rPr lang="en-US" sz="2000" dirty="0"/>
-              <a:t>Files &amp; JSON</a:t>
+              <a:t>Review Files &amp; JSON</a:t>
             </a:r>
           </a:p>
           <a:p>
@@ -6352,6 +7405,65 @@
             <a:spLocks noGrp="1"/>
           </p:cNvSpPr>
           <p:nvPr>
+            <p:ph type="ctrTitle"/>
+          </p:nvPr>
+        </p:nvSpPr>
+        <p:spPr>
+          <a:xfrm>
+            <a:off x="1478280" y="3013218"/>
+            <a:ext cx="9144000" cy="831563"/>
+          </a:xfrm>
+        </p:spPr>
+        <p:txBody>
+          <a:bodyPr anchor="ctr">
+            <a:normAutofit/>
+          </a:bodyPr>
+          <a:lstStyle/>
+          <a:p>
+            <a:r>
+              <a:rPr lang="en-US" sz="4800" dirty="0"/>
+              <a:t>Quiz 3 Review</a:t>
+            </a:r>
+          </a:p>
+        </p:txBody>
+      </p:sp>
+    </p:spTree>
+    <p:extLst>
+      <p:ext uri="{BB962C8B-B14F-4D97-AF65-F5344CB8AC3E}">
+        <p14:creationId xmlns:p14="http://schemas.microsoft.com/office/powerpoint/2010/main" val="2104136661"/>
+      </p:ext>
+    </p:extLst>
+  </p:cSld>
+  <p:clrMapOvr>
+    <a:masterClrMapping/>
+  </p:clrMapOvr>
+</p:sld>
+</file>
+
+<file path=ppt/slides/slide5.xml><?xml version="1.0" encoding="utf-8"?>
+<p:sld xmlns:a="http://schemas.openxmlformats.org/drawingml/2006/main" xmlns:r="http://schemas.openxmlformats.org/officeDocument/2006/relationships" xmlns:p="http://schemas.openxmlformats.org/presentationml/2006/main">
+  <p:cSld>
+    <p:spTree>
+      <p:nvGrpSpPr>
+        <p:cNvPr id="1" name=""/>
+        <p:cNvGrpSpPr/>
+        <p:nvPr/>
+      </p:nvGrpSpPr>
+      <p:grpSpPr>
+        <a:xfrm>
+          <a:off x="0" y="0"/>
+          <a:ext cx="0" cy="0"/>
+          <a:chOff x="0" y="0"/>
+          <a:chExt cx="0" cy="0"/>
+        </a:xfrm>
+      </p:grpSpPr>
+      <p:sp>
+        <p:nvSpPr>
+          <p:cNvPr id="2" name="Title 1"/>
+          <p:cNvSpPr>
+            <a:spLocks noGrp="1"/>
+          </p:cNvSpPr>
+          <p:nvPr>
             <p:ph type="title"/>
           </p:nvPr>
         </p:nvSpPr>
@@ -6492,7 +7604,7 @@
 </p:sld>
 </file>
 
-<file path=ppt/slides/slide5.xml><?xml version="1.0" encoding="utf-8"?>
+<file path=ppt/slides/slide6.xml><?xml version="1.0" encoding="utf-8"?>
 <p:sld xmlns:a="http://schemas.openxmlformats.org/drawingml/2006/main" xmlns:r="http://schemas.openxmlformats.org/officeDocument/2006/relationships" xmlns:p="http://schemas.openxmlformats.org/presentationml/2006/main">
   <p:cSld>
     <p:spTree>
@@ -6862,7 +7974,7 @@
 </p:sld>
 </file>
 
-<file path=ppt/slides/slide6.xml><?xml version="1.0" encoding="utf-8"?>
+<file path=ppt/slides/slide7.xml><?xml version="1.0" encoding="utf-8"?>
 <p:sld xmlns:a="http://schemas.openxmlformats.org/drawingml/2006/main" xmlns:r="http://schemas.openxmlformats.org/officeDocument/2006/relationships" xmlns:p="http://schemas.openxmlformats.org/presentationml/2006/main">
   <p:cSld>
     <p:spTree>
@@ -6989,7 +8101,7 @@
 </p:sld>
 </file>
 
-<file path=ppt/slides/slide7.xml><?xml version="1.0" encoding="utf-8"?>
+<file path=ppt/slides/slide8.xml><?xml version="1.0" encoding="utf-8"?>
 <p:sld xmlns:a="http://schemas.openxmlformats.org/drawingml/2006/main" xmlns:r="http://schemas.openxmlformats.org/officeDocument/2006/relationships" xmlns:p="http://schemas.openxmlformats.org/presentationml/2006/main">
   <p:cSld>
     <p:spTree>
@@ -7123,7 +8235,7 @@
 </p:sld>
 </file>
 
-<file path=ppt/slides/slide8.xml><?xml version="1.0" encoding="utf-8"?>
+<file path=ppt/slides/slide9.xml><?xml version="1.0" encoding="utf-8"?>
 <p:sld xmlns:a="http://schemas.openxmlformats.org/drawingml/2006/main" xmlns:r="http://schemas.openxmlformats.org/officeDocument/2006/relationships" xmlns:p="http://schemas.openxmlformats.org/presentationml/2006/main">
   <p:cSld>
     <p:spTree>
@@ -7440,199 +8552,6 @@
       </p:par>
     </p:tnLst>
   </p:timing>
-</p:sld>
-</file>
-
-<file path=ppt/slides/slide9.xml><?xml version="1.0" encoding="utf-8"?>
-<p:sld xmlns:a="http://schemas.openxmlformats.org/drawingml/2006/main" xmlns:r="http://schemas.openxmlformats.org/officeDocument/2006/relationships" xmlns:p="http://schemas.openxmlformats.org/presentationml/2006/main">
-  <p:cSld>
-    <p:spTree>
-      <p:nvGrpSpPr>
-        <p:cNvPr id="1" name=""/>
-        <p:cNvGrpSpPr/>
-        <p:nvPr/>
-      </p:nvGrpSpPr>
-      <p:grpSpPr>
-        <a:xfrm>
-          <a:off x="0" y="0"/>
-          <a:ext cx="0" cy="0"/>
-          <a:chOff x="0" y="0"/>
-          <a:chExt cx="0" cy="0"/>
-        </a:xfrm>
-      </p:grpSpPr>
-      <p:sp>
-        <p:nvSpPr>
-          <p:cNvPr id="4" name="Title 1">
-            <a:extLst>
-              <a:ext uri="{FF2B5EF4-FFF2-40B4-BE49-F238E27FC236}">
-                <a16:creationId xmlns:a16="http://schemas.microsoft.com/office/drawing/2014/main" id="{527CE47F-3EF6-48CA-9239-E8B6E5C6B41A}"/>
-              </a:ext>
-            </a:extLst>
-          </p:cNvPr>
-          <p:cNvSpPr>
-            <a:spLocks noGrp="1"/>
-          </p:cNvSpPr>
-          <p:nvPr>
-            <p:ph type="title"/>
-          </p:nvPr>
-        </p:nvSpPr>
-        <p:spPr>
-          <a:xfrm>
-            <a:off x="838200" y="365125"/>
-            <a:ext cx="10515600" cy="1325563"/>
-          </a:xfrm>
-        </p:spPr>
-        <p:txBody>
-          <a:bodyPr>
-            <a:normAutofit/>
-          </a:bodyPr>
-          <a:lstStyle/>
-          <a:p>
-            <a:pPr>
-              <a:spcAft>
-                <a:spcPts val="600"/>
-              </a:spcAft>
-            </a:pPr>
-            <a:r>
-              <a:rPr lang="en-US" sz="3600" dirty="0"/>
-              <a:t>Text File End-Of-Line (EOL) and Encoding</a:t>
-            </a:r>
-          </a:p>
-        </p:txBody>
-      </p:sp>
-      <p:sp>
-        <p:nvSpPr>
-          <p:cNvPr id="5" name="Content Placeholder 2">
-            <a:extLst>
-              <a:ext uri="{FF2B5EF4-FFF2-40B4-BE49-F238E27FC236}">
-                <a16:creationId xmlns:a16="http://schemas.microsoft.com/office/drawing/2014/main" id="{E8F0EA9A-219C-40FD-AE36-784EE1B77D56}"/>
-              </a:ext>
-            </a:extLst>
-          </p:cNvPr>
-          <p:cNvSpPr>
-            <a:spLocks noGrp="1"/>
-          </p:cNvSpPr>
-          <p:nvPr>
-            <p:ph idx="1"/>
-          </p:nvPr>
-        </p:nvSpPr>
-        <p:spPr>
-          <a:xfrm>
-            <a:off x="838201" y="1524953"/>
-            <a:ext cx="10515599" cy="5075871"/>
-          </a:xfrm>
-        </p:spPr>
-        <p:txBody>
-          <a:bodyPr>
-            <a:normAutofit/>
-          </a:bodyPr>
-          <a:lstStyle/>
-          <a:p>
-            <a:pPr marL="0" indent="0">
-              <a:spcAft>
-                <a:spcPts val="600"/>
-              </a:spcAft>
-              <a:buNone/>
-            </a:pPr>
-            <a:r>
-              <a:rPr lang="en-US" sz="2000" dirty="0"/>
-              <a:t>Industry adoption of end-of-line encoding includes: </a:t>
-            </a:r>
-          </a:p>
-          <a:p>
-            <a:pPr marL="0" indent="0">
-              <a:spcAft>
-                <a:spcPts val="600"/>
-              </a:spcAft>
-              <a:buNone/>
-            </a:pPr>
-            <a:endParaRPr lang="en-US" sz="2000" dirty="0"/>
-          </a:p>
-          <a:p>
-            <a:pPr marL="0" indent="0">
-              <a:spcAft>
-                <a:spcPts val="600"/>
-              </a:spcAft>
-              <a:buNone/>
-            </a:pPr>
-            <a:r>
-              <a:rPr lang="en-US" sz="2000" dirty="0"/>
-              <a:t>Windows: 	Both Carriage Return (CR, \r, 0x0d) and Line Feed (LF, \n, 0x0a) together.</a:t>
-            </a:r>
-          </a:p>
-          <a:p>
-            <a:pPr marL="0" indent="0">
-              <a:spcAft>
-                <a:spcPts val="600"/>
-              </a:spcAft>
-              <a:buNone/>
-            </a:pPr>
-            <a:r>
-              <a:rPr lang="en-US" sz="2000" dirty="0"/>
-              <a:t>Unix/Linux/OSX: 	Just Line Feed (LF, \n, 0x0a)</a:t>
-            </a:r>
-          </a:p>
-          <a:p>
-            <a:pPr marL="0" indent="0">
-              <a:spcAft>
-                <a:spcPts val="600"/>
-              </a:spcAft>
-              <a:buNone/>
-            </a:pPr>
-            <a:r>
-              <a:rPr lang="en-US" sz="2000" dirty="0"/>
-              <a:t>Mac (pre-OSX): 	Just Carriage Return (CR, \r, 0x0d)</a:t>
-            </a:r>
-          </a:p>
-          <a:p>
-            <a:pPr marL="0" indent="0">
-              <a:spcAft>
-                <a:spcPts val="600"/>
-              </a:spcAft>
-              <a:buNone/>
-            </a:pPr>
-            <a:endParaRPr lang="en-US" sz="2000" dirty="0"/>
-          </a:p>
-          <a:p>
-            <a:pPr marL="0" indent="0">
-              <a:spcAft>
-                <a:spcPts val="600"/>
-              </a:spcAft>
-              <a:buNone/>
-            </a:pPr>
-            <a:endParaRPr lang="en-US" sz="2000" dirty="0"/>
-          </a:p>
-          <a:p>
-            <a:pPr marL="0" indent="0">
-              <a:spcAft>
-                <a:spcPts val="600"/>
-              </a:spcAft>
-              <a:buNone/>
-            </a:pPr>
-            <a:r>
-              <a:rPr lang="en-US" sz="2000" dirty="0"/>
-              <a:t>Article on Windows Notepad supporting non-Windows EOF conventions </a:t>
-            </a:r>
-            <a:r>
-              <a:rPr lang="en-US" sz="2000" dirty="0">
-                <a:hlinkClick r:id="rId3"/>
-              </a:rPr>
-              <a:t>[link]</a:t>
-            </a:r>
-            <a:endParaRPr lang="en-US" sz="2000" dirty="0"/>
-          </a:p>
-        </p:txBody>
-      </p:sp>
-    </p:spTree>
-    <p:extLst>
-      <p:ext uri="{BB962C8B-B14F-4D97-AF65-F5344CB8AC3E}">
-        <p14:creationId xmlns:p14="http://schemas.microsoft.com/office/powerpoint/2010/main" val="1213491686"/>
-      </p:ext>
-    </p:extLst>
-  </p:cSld>
-  <p:clrMapOvr>
-    <a:masterClrMapping/>
-  </p:clrMapOvr>
 </p:sld>
 </file>
 

--- a/lecture-presentations/sprint-4.pptx
+++ b/lecture-presentations/sprint-4.pptx
@@ -7311,7 +7311,7 @@
             </a:pPr>
             <a:r>
               <a:rPr lang="en-US" sz="2000" dirty="0"/>
-              <a:t>Lab: MosaicLite</a:t>
+              <a:t>Lab</a:t>
             </a:r>
           </a:p>
           <a:p>
@@ -7422,7 +7422,7 @@
           <a:p>
             <a:r>
               <a:rPr lang="en-US" sz="4800" dirty="0"/>
-              <a:t>Quiz 3 Review</a:t>
+              <a:t>Discuss Quiz 3 Review</a:t>
             </a:r>
           </a:p>
         </p:txBody>
@@ -8073,7 +8073,7 @@
             </a:pPr>
             <a:r>
               <a:rPr lang="en-US" sz="2000" dirty="0"/>
-              <a:t>Quiz,</a:t>
+              <a:t>Quiz</a:t>
             </a:r>
           </a:p>
           <a:p>
